--- a/0705 미팅/190705_UGRP_발표자료.pptx
+++ b/0705 미팅/190705_UGRP_발표자료.pptx
@@ -5071,7 +5071,7 @@
               </a14:hiddenLine>
             </a:ext>
             <a:ext uri="{FAA26D3D-D897-4be2-8F04-BA451C77F1D7}">
-              <ma14:placeholderFlag xmlns="" xmlns:ma14="http://schemas.microsoft.com/office/mac/drawingml/2011/main" val="1"/>
+              <ma14:placeholderFlag xmlns:ma14="http://schemas.microsoft.com/office/mac/drawingml/2011/main" xmlns="" val="1"/>
             </a:ext>
           </a:extLst>
         </p:spPr>
@@ -5819,8 +5819,8 @@
           </a:p>
         </p:txBody>
       </p:sp>
-      <mc:AlternateContent xmlns:mc="http://schemas.openxmlformats.org/markup-compatibility/2006">
-        <mc:Choice xmlns:a14="http://schemas.microsoft.com/office/drawing/2010/main" Requires="a14">
+      <mc:AlternateContent xmlns:mc="http://schemas.openxmlformats.org/markup-compatibility/2006" xmlns:a14="http://schemas.microsoft.com/office/drawing/2010/main">
+        <mc:Choice Requires="a14">
           <p:sp>
             <p:nvSpPr>
               <p:cNvPr id="3" name="내용 개체 틀 2">
@@ -5919,7 +5919,7 @@
             </p:txBody>
           </p:sp>
         </mc:Choice>
-        <mc:Fallback>
+        <mc:Fallback xmlns="">
           <p:sp>
             <p:nvSpPr>
               <p:cNvPr id="3" name="내용 개체 틀 2">
@@ -6497,14 +6497,14 @@
           <a:p>
             <a:r>
               <a:rPr lang="en-US" altLang="ko-KR" dirty="0"/>
-              <a:t>progress</a:t>
+              <a:t>Future Plan(next week)</a:t>
             </a:r>
             <a:endParaRPr lang="ko-KR" altLang="en-US" dirty="0"/>
           </a:p>
         </p:txBody>
       </p:sp>
-      <mc:AlternateContent xmlns:mc="http://schemas.openxmlformats.org/markup-compatibility/2006">
-        <mc:Choice xmlns:a14="http://schemas.microsoft.com/office/drawing/2010/main" Requires="a14">
+      <mc:AlternateContent xmlns:mc="http://schemas.openxmlformats.org/markup-compatibility/2006" xmlns:a14="http://schemas.microsoft.com/office/drawing/2010/main">
+        <mc:Choice Requires="a14">
           <p:sp>
             <p:nvSpPr>
               <p:cNvPr id="3" name="내용 개체 틀 2">
@@ -7675,7 +7675,7 @@
             </p:txBody>
           </p:sp>
         </mc:Choice>
-        <mc:Fallback>
+        <mc:Fallback xmlns="">
           <p:sp>
             <p:nvSpPr>
               <p:cNvPr id="3" name="내용 개체 틀 2">
@@ -7777,7 +7777,7 @@
           <a:p>
             <a:r>
               <a:rPr lang="en-US" altLang="ko-KR" dirty="0"/>
-              <a:t>progress</a:t>
+              <a:t>Future Plan(next week)</a:t>
             </a:r>
             <a:endParaRPr lang="ko-KR" altLang="en-US" dirty="0"/>
           </a:p>
@@ -7945,11 +7945,20 @@
             <p:ph type="title"/>
           </p:nvPr>
         </p:nvSpPr>
-        <p:spPr/>
+        <p:spPr>
+          <a:xfrm>
+            <a:off x="116681" y="0"/>
+            <a:ext cx="8910637" cy="987425"/>
+          </a:xfrm>
+        </p:spPr>
         <p:txBody>
           <a:bodyPr/>
           <a:lstStyle/>
           <a:p>
+            <a:r>
+              <a:rPr lang="en-US" altLang="ko-KR" dirty="0"/>
+              <a:t>Future plan(one month)</a:t>
+            </a:r>
             <a:endParaRPr lang="ko-KR" altLang="en-US" dirty="0"/>
           </a:p>
         </p:txBody>
@@ -7993,21 +8002,16 @@
               <a:p>
                 <a:r>
                   <a:rPr lang="en-US" altLang="ko-KR" dirty="0"/>
-                  <a:t>UDN</a:t>
+                  <a:t>Apply UDN at our</a:t>
                 </a:r>
                 <a:r>
                   <a:rPr lang="ko-KR" altLang="en-US" dirty="0"/>
-                  <a:t>을 </a:t>
+                  <a:t> </a:t>
                 </a:r>
                 <a:r>
                   <a:rPr lang="en-US" altLang="ko-KR" dirty="0"/>
-                  <a:t>Env code</a:t>
+                  <a:t>Environment</a:t>
                 </a:r>
-                <a:r>
-                  <a:rPr lang="ko-KR" altLang="en-US" dirty="0"/>
-                  <a:t>에 구현</a:t>
-                </a:r>
-                <a:endParaRPr lang="en-US" altLang="ko-KR" dirty="0"/>
               </a:p>
               <a:p>
                 <a:pPr lvl="1"/>

--- a/0705 미팅/190705_UGRP_발표자료.pptx
+++ b/0705 미팅/190705_UGRP_발표자료.pptx
@@ -179,583 +179,6 @@
 </p:cmAuthorLst>
 </file>
 
-<file path=ppt/revisionInfo.xml><?xml version="1.0" encoding="utf-8"?>
-<p1510:revInfo xmlns:a="http://schemas.openxmlformats.org/drawingml/2006/main" xmlns:r="http://schemas.openxmlformats.org/officeDocument/2006/relationships" xmlns:p1510="http://schemas.microsoft.com/office/powerpoint/2015/10/main">
-  <p1510:revLst>
-    <p1510:client id="{A372B46F-FC7E-45ED-8164-834097019FDA}" v="245" dt="2019-07-04T12:25:02.336"/>
-  </p1510:revLst>
-</p1510:revInfo>
-</file>
-
-<file path=ppt/changesInfos/changesInfo1.xml><?xml version="1.0" encoding="utf-8"?>
-<pc:chgInfo xmlns:a="http://schemas.openxmlformats.org/drawingml/2006/main" xmlns:r="http://schemas.openxmlformats.org/officeDocument/2006/relationships" xmlns:ac="http://schemas.microsoft.com/office/drawing/2013/main/command" xmlns:pc="http://schemas.microsoft.com/office/powerpoint/2013/main/command">
-  <pc:docChgLst>
-    <pc:chgData name="KimBongSang" userId="c8ee6006-c320-4749-b534-71e37e88ccdb" providerId="ADAL" clId="{A372B46F-FC7E-45ED-8164-834097019FDA}"/>
-    <pc:docChg chg="undo custSel addSld delSld modSld sldOrd">
-      <pc:chgData name="KimBongSang" userId="c8ee6006-c320-4749-b534-71e37e88ccdb" providerId="ADAL" clId="{A372B46F-FC7E-45ED-8164-834097019FDA}" dt="2019-07-04T12:29:10.062" v="4758" actId="1076"/>
-      <pc:docMkLst>
-        <pc:docMk/>
-      </pc:docMkLst>
-      <pc:sldChg chg="modSp">
-        <pc:chgData name="KimBongSang" userId="c8ee6006-c320-4749-b534-71e37e88ccdb" providerId="ADAL" clId="{A372B46F-FC7E-45ED-8164-834097019FDA}" dt="2019-07-04T08:34:37.051" v="131" actId="20577"/>
-        <pc:sldMkLst>
-          <pc:docMk/>
-          <pc:sldMk cId="1436342642" sldId="1055"/>
-        </pc:sldMkLst>
-        <pc:spChg chg="mod">
-          <ac:chgData name="KimBongSang" userId="c8ee6006-c320-4749-b534-71e37e88ccdb" providerId="ADAL" clId="{A372B46F-FC7E-45ED-8164-834097019FDA}" dt="2019-07-04T08:34:28.752" v="129" actId="20577"/>
-          <ac:spMkLst>
-            <pc:docMk/>
-            <pc:sldMk cId="1436342642" sldId="1055"/>
-            <ac:spMk id="2" creationId="{00000000-0000-0000-0000-000000000000}"/>
-          </ac:spMkLst>
-        </pc:spChg>
-        <pc:spChg chg="mod">
-          <ac:chgData name="KimBongSang" userId="c8ee6006-c320-4749-b534-71e37e88ccdb" providerId="ADAL" clId="{A372B46F-FC7E-45ED-8164-834097019FDA}" dt="2019-07-04T08:20:26.050" v="48" actId="20577"/>
-          <ac:spMkLst>
-            <pc:docMk/>
-            <pc:sldMk cId="1436342642" sldId="1055"/>
-            <ac:spMk id="4" creationId="{00000000-0000-0000-0000-000000000000}"/>
-          </ac:spMkLst>
-        </pc:spChg>
-        <pc:spChg chg="mod">
-          <ac:chgData name="KimBongSang" userId="c8ee6006-c320-4749-b534-71e37e88ccdb" providerId="ADAL" clId="{A372B46F-FC7E-45ED-8164-834097019FDA}" dt="2019-07-04T08:34:37.051" v="131" actId="20577"/>
-          <ac:spMkLst>
-            <pc:docMk/>
-            <pc:sldMk cId="1436342642" sldId="1055"/>
-            <ac:spMk id="9" creationId="{00000000-0000-0000-0000-000000000000}"/>
-          </ac:spMkLst>
-        </pc:spChg>
-      </pc:sldChg>
-      <pc:sldChg chg="add">
-        <pc:chgData name="KimBongSang" userId="c8ee6006-c320-4749-b534-71e37e88ccdb" providerId="ADAL" clId="{A372B46F-FC7E-45ED-8164-834097019FDA}" dt="2019-07-04T10:43:02.003" v="2098"/>
-        <pc:sldMkLst>
-          <pc:docMk/>
-          <pc:sldMk cId="1727544517" sldId="1202"/>
-        </pc:sldMkLst>
-      </pc:sldChg>
-      <pc:sldChg chg="del">
-        <pc:chgData name="KimBongSang" userId="c8ee6006-c320-4749-b534-71e37e88ccdb" providerId="ADAL" clId="{A372B46F-FC7E-45ED-8164-834097019FDA}" dt="2019-07-04T10:42:57.235" v="2097" actId="2696"/>
-        <pc:sldMkLst>
-          <pc:docMk/>
-          <pc:sldMk cId="2902577084" sldId="1202"/>
-        </pc:sldMkLst>
-      </pc:sldChg>
-      <pc:sldChg chg="addSp delSp modSp ord">
-        <pc:chgData name="KimBongSang" userId="c8ee6006-c320-4749-b534-71e37e88ccdb" providerId="ADAL" clId="{A372B46F-FC7E-45ED-8164-834097019FDA}" dt="2019-07-04T12:29:10.062" v="4758" actId="1076"/>
-        <pc:sldMkLst>
-          <pc:docMk/>
-          <pc:sldMk cId="47788732" sldId="1367"/>
-        </pc:sldMkLst>
-        <pc:spChg chg="mod">
-          <ac:chgData name="KimBongSang" userId="c8ee6006-c320-4749-b534-71e37e88ccdb" providerId="ADAL" clId="{A372B46F-FC7E-45ED-8164-834097019FDA}" dt="2019-07-04T10:05:08.207" v="1269" actId="20577"/>
-          <ac:spMkLst>
-            <pc:docMk/>
-            <pc:sldMk cId="47788732" sldId="1367"/>
-            <ac:spMk id="2" creationId="{F5F63D42-1E06-4A5B-9AAA-45F95E0B04D0}"/>
-          </ac:spMkLst>
-        </pc:spChg>
-        <pc:spChg chg="mod">
-          <ac:chgData name="KimBongSang" userId="c8ee6006-c320-4749-b534-71e37e88ccdb" providerId="ADAL" clId="{A372B46F-FC7E-45ED-8164-834097019FDA}" dt="2019-07-04T12:29:01.516" v="4756" actId="20577"/>
-          <ac:spMkLst>
-            <pc:docMk/>
-            <pc:sldMk cId="47788732" sldId="1367"/>
-            <ac:spMk id="3" creationId="{08458E5A-D904-4F83-968A-D96BD79BB32E}"/>
-          </ac:spMkLst>
-        </pc:spChg>
-        <pc:spChg chg="del">
-          <ac:chgData name="KimBongSang" userId="c8ee6006-c320-4749-b534-71e37e88ccdb" providerId="ADAL" clId="{A372B46F-FC7E-45ED-8164-834097019FDA}" dt="2019-07-04T08:39:58.560" v="694" actId="478"/>
-          <ac:spMkLst>
-            <pc:docMk/>
-            <pc:sldMk cId="47788732" sldId="1367"/>
-            <ac:spMk id="4" creationId="{2F428485-4FC9-4188-8F59-60E8826E3014}"/>
-          </ac:spMkLst>
-        </pc:spChg>
-        <pc:spChg chg="add mod">
-          <ac:chgData name="KimBongSang" userId="c8ee6006-c320-4749-b534-71e37e88ccdb" providerId="ADAL" clId="{A372B46F-FC7E-45ED-8164-834097019FDA}" dt="2019-07-04T10:17:37.118" v="1524" actId="1037"/>
-          <ac:spMkLst>
-            <pc:docMk/>
-            <pc:sldMk cId="47788732" sldId="1367"/>
-            <ac:spMk id="4" creationId="{68B4991D-9E70-4B7E-B0BC-6D7F6F1176C3}"/>
-          </ac:spMkLst>
-        </pc:spChg>
-        <pc:spChg chg="del">
-          <ac:chgData name="KimBongSang" userId="c8ee6006-c320-4749-b534-71e37e88ccdb" providerId="ADAL" clId="{A372B46F-FC7E-45ED-8164-834097019FDA}" dt="2019-07-04T08:39:55.644" v="693" actId="478"/>
-          <ac:spMkLst>
-            <pc:docMk/>
-            <pc:sldMk cId="47788732" sldId="1367"/>
-            <ac:spMk id="5" creationId="{11DD9DDF-4990-4552-9EF1-208EBBD1F668}"/>
-          </ac:spMkLst>
-        </pc:spChg>
-        <pc:spChg chg="add mod">
-          <ac:chgData name="KimBongSang" userId="c8ee6006-c320-4749-b534-71e37e88ccdb" providerId="ADAL" clId="{A372B46F-FC7E-45ED-8164-834097019FDA}" dt="2019-07-04T10:17:42.221" v="1526" actId="1076"/>
-          <ac:spMkLst>
-            <pc:docMk/>
-            <pc:sldMk cId="47788732" sldId="1367"/>
-            <ac:spMk id="5" creationId="{AB4FB5A5-EBAE-4065-A256-1D3E9E404C4B}"/>
-          </ac:spMkLst>
-        </pc:spChg>
-        <pc:spChg chg="add mod">
-          <ac:chgData name="KimBongSang" userId="c8ee6006-c320-4749-b534-71e37e88ccdb" providerId="ADAL" clId="{A372B46F-FC7E-45ED-8164-834097019FDA}" dt="2019-07-04T12:29:06.630" v="4757" actId="1076"/>
-          <ac:spMkLst>
-            <pc:docMk/>
-            <pc:sldMk cId="47788732" sldId="1367"/>
-            <ac:spMk id="6" creationId="{52153FEE-BB22-432F-B525-6BEBB265316A}"/>
-          </ac:spMkLst>
-        </pc:spChg>
-        <pc:spChg chg="del">
-          <ac:chgData name="KimBongSang" userId="c8ee6006-c320-4749-b534-71e37e88ccdb" providerId="ADAL" clId="{A372B46F-FC7E-45ED-8164-834097019FDA}" dt="2019-07-04T08:40:01.654" v="695" actId="478"/>
-          <ac:spMkLst>
-            <pc:docMk/>
-            <pc:sldMk cId="47788732" sldId="1367"/>
-            <ac:spMk id="6" creationId="{B7CEBF9B-46AD-4A56-9ED1-D256C65AEAC2}"/>
-          </ac:spMkLst>
-        </pc:spChg>
-        <pc:spChg chg="add mod">
-          <ac:chgData name="KimBongSang" userId="c8ee6006-c320-4749-b534-71e37e88ccdb" providerId="ADAL" clId="{A372B46F-FC7E-45ED-8164-834097019FDA}" dt="2019-07-04T12:29:10.062" v="4758" actId="1076"/>
-          <ac:spMkLst>
-            <pc:docMk/>
-            <pc:sldMk cId="47788732" sldId="1367"/>
-            <ac:spMk id="7" creationId="{48CA2EC5-C07E-4EE8-A7B2-758FB63FB923}"/>
-          </ac:spMkLst>
-        </pc:spChg>
-      </pc:sldChg>
-      <pc:sldChg chg="addSp delSp modSp modNotesTx">
-        <pc:chgData name="KimBongSang" userId="c8ee6006-c320-4749-b534-71e37e88ccdb" providerId="ADAL" clId="{A372B46F-FC7E-45ED-8164-834097019FDA}" dt="2019-07-04T12:10:50.103" v="3776" actId="20577"/>
-        <pc:sldMkLst>
-          <pc:docMk/>
-          <pc:sldMk cId="2482924619" sldId="1368"/>
-        </pc:sldMkLst>
-        <pc:spChg chg="mod">
-          <ac:chgData name="KimBongSang" userId="c8ee6006-c320-4749-b534-71e37e88ccdb" providerId="ADAL" clId="{A372B46F-FC7E-45ED-8164-834097019FDA}" dt="2019-07-04T12:10:42.507" v="3755" actId="20577"/>
-          <ac:spMkLst>
-            <pc:docMk/>
-            <pc:sldMk cId="2482924619" sldId="1368"/>
-            <ac:spMk id="2" creationId="{F5F63D42-1E06-4A5B-9AAA-45F95E0B04D0}"/>
-          </ac:spMkLst>
-        </pc:spChg>
-        <pc:spChg chg="mod">
-          <ac:chgData name="KimBongSang" userId="c8ee6006-c320-4749-b534-71e37e88ccdb" providerId="ADAL" clId="{A372B46F-FC7E-45ED-8164-834097019FDA}" dt="2019-07-04T12:10:50.103" v="3776" actId="20577"/>
-          <ac:spMkLst>
-            <pc:docMk/>
-            <pc:sldMk cId="2482924619" sldId="1368"/>
-            <ac:spMk id="3" creationId="{08458E5A-D904-4F83-968A-D96BD79BB32E}"/>
-          </ac:spMkLst>
-        </pc:spChg>
-        <pc:spChg chg="del">
-          <ac:chgData name="KimBongSang" userId="c8ee6006-c320-4749-b534-71e37e88ccdb" providerId="ADAL" clId="{A372B46F-FC7E-45ED-8164-834097019FDA}" dt="2019-07-04T10:25:57.525" v="1603" actId="478"/>
-          <ac:spMkLst>
-            <pc:docMk/>
-            <pc:sldMk cId="2482924619" sldId="1368"/>
-            <ac:spMk id="4" creationId="{790B275E-9DA6-43BD-B6D8-D63CD3A21B89}"/>
-          </ac:spMkLst>
-        </pc:spChg>
-        <pc:spChg chg="del">
-          <ac:chgData name="KimBongSang" userId="c8ee6006-c320-4749-b534-71e37e88ccdb" providerId="ADAL" clId="{A372B46F-FC7E-45ED-8164-834097019FDA}" dt="2019-07-04T10:25:56.986" v="1602" actId="478"/>
-          <ac:spMkLst>
-            <pc:docMk/>
-            <pc:sldMk cId="2482924619" sldId="1368"/>
-            <ac:spMk id="5" creationId="{B5619CB3-E1D7-46BD-9AE6-8FA18AADBA4F}"/>
-          </ac:spMkLst>
-        </pc:spChg>
-        <pc:picChg chg="add mod">
-          <ac:chgData name="KimBongSang" userId="c8ee6006-c320-4749-b534-71e37e88ccdb" providerId="ADAL" clId="{A372B46F-FC7E-45ED-8164-834097019FDA}" dt="2019-07-04T10:41:13.038" v="2036" actId="1076"/>
-          <ac:picMkLst>
-            <pc:docMk/>
-            <pc:sldMk cId="2482924619" sldId="1368"/>
-            <ac:picMk id="6" creationId="{20A527C7-DEA5-471E-8E85-593A42CC823D}"/>
-          </ac:picMkLst>
-        </pc:picChg>
-      </pc:sldChg>
-      <pc:sldChg chg="del">
-        <pc:chgData name="KimBongSang" userId="c8ee6006-c320-4749-b534-71e37e88ccdb" providerId="ADAL" clId="{A372B46F-FC7E-45ED-8164-834097019FDA}" dt="2019-07-04T11:39:52.840" v="2669" actId="2696"/>
-        <pc:sldMkLst>
-          <pc:docMk/>
-          <pc:sldMk cId="173068851" sldId="1369"/>
-        </pc:sldMkLst>
-      </pc:sldChg>
-      <pc:sldChg chg="del">
-        <pc:chgData name="KimBongSang" userId="c8ee6006-c320-4749-b534-71e37e88ccdb" providerId="ADAL" clId="{A372B46F-FC7E-45ED-8164-834097019FDA}" dt="2019-07-04T11:39:55.029" v="2671" actId="2696"/>
-        <pc:sldMkLst>
-          <pc:docMk/>
-          <pc:sldMk cId="1319519144" sldId="1370"/>
-        </pc:sldMkLst>
-      </pc:sldChg>
-      <pc:sldChg chg="del">
-        <pc:chgData name="KimBongSang" userId="c8ee6006-c320-4749-b534-71e37e88ccdb" providerId="ADAL" clId="{A372B46F-FC7E-45ED-8164-834097019FDA}" dt="2019-07-04T11:39:53.944" v="2670" actId="2696"/>
-        <pc:sldMkLst>
-          <pc:docMk/>
-          <pc:sldMk cId="3944772007" sldId="1371"/>
-        </pc:sldMkLst>
-      </pc:sldChg>
-      <pc:sldChg chg="del">
-        <pc:chgData name="KimBongSang" userId="c8ee6006-c320-4749-b534-71e37e88ccdb" providerId="ADAL" clId="{A372B46F-FC7E-45ED-8164-834097019FDA}" dt="2019-07-04T11:39:56.155" v="2672" actId="2696"/>
-        <pc:sldMkLst>
-          <pc:docMk/>
-          <pc:sldMk cId="518458584" sldId="1372"/>
-        </pc:sldMkLst>
-      </pc:sldChg>
-      <pc:sldChg chg="del">
-        <pc:chgData name="KimBongSang" userId="c8ee6006-c320-4749-b534-71e37e88ccdb" providerId="ADAL" clId="{A372B46F-FC7E-45ED-8164-834097019FDA}" dt="2019-07-04T11:40:02.045" v="2678" actId="2696"/>
-        <pc:sldMkLst>
-          <pc:docMk/>
-          <pc:sldMk cId="2688293818" sldId="1373"/>
-        </pc:sldMkLst>
-      </pc:sldChg>
-      <pc:sldChg chg="del">
-        <pc:chgData name="KimBongSang" userId="c8ee6006-c320-4749-b534-71e37e88ccdb" providerId="ADAL" clId="{A372B46F-FC7E-45ED-8164-834097019FDA}" dt="2019-07-04T11:40:02.859" v="2679" actId="2696"/>
-        <pc:sldMkLst>
-          <pc:docMk/>
-          <pc:sldMk cId="3043873115" sldId="1374"/>
-        </pc:sldMkLst>
-      </pc:sldChg>
-      <pc:sldChg chg="del">
-        <pc:chgData name="KimBongSang" userId="c8ee6006-c320-4749-b534-71e37e88ccdb" providerId="ADAL" clId="{A372B46F-FC7E-45ED-8164-834097019FDA}" dt="2019-07-04T11:40:03.653" v="2680" actId="2696"/>
-        <pc:sldMkLst>
-          <pc:docMk/>
-          <pc:sldMk cId="3766043571" sldId="1375"/>
-        </pc:sldMkLst>
-      </pc:sldChg>
-      <pc:sldChg chg="del">
-        <pc:chgData name="KimBongSang" userId="c8ee6006-c320-4749-b534-71e37e88ccdb" providerId="ADAL" clId="{A372B46F-FC7E-45ED-8164-834097019FDA}" dt="2019-07-04T11:39:57.047" v="2673" actId="2696"/>
-        <pc:sldMkLst>
-          <pc:docMk/>
-          <pc:sldMk cId="1480538858" sldId="1376"/>
-        </pc:sldMkLst>
-      </pc:sldChg>
-      <pc:sldChg chg="del">
-        <pc:chgData name="KimBongSang" userId="c8ee6006-c320-4749-b534-71e37e88ccdb" providerId="ADAL" clId="{A372B46F-FC7E-45ED-8164-834097019FDA}" dt="2019-07-04T11:40:01.207" v="2677" actId="2696"/>
-        <pc:sldMkLst>
-          <pc:docMk/>
-          <pc:sldMk cId="3861237016" sldId="1377"/>
-        </pc:sldMkLst>
-      </pc:sldChg>
-      <pc:sldChg chg="del">
-        <pc:chgData name="KimBongSang" userId="c8ee6006-c320-4749-b534-71e37e88ccdb" providerId="ADAL" clId="{A372B46F-FC7E-45ED-8164-834097019FDA}" dt="2019-07-04T11:39:59.297" v="2675" actId="2696"/>
-        <pc:sldMkLst>
-          <pc:docMk/>
-          <pc:sldMk cId="2907234814" sldId="1380"/>
-        </pc:sldMkLst>
-      </pc:sldChg>
-      <pc:sldChg chg="del">
-        <pc:chgData name="KimBongSang" userId="c8ee6006-c320-4749-b534-71e37e88ccdb" providerId="ADAL" clId="{A372B46F-FC7E-45ED-8164-834097019FDA}" dt="2019-07-04T11:39:57.985" v="2674" actId="2696"/>
-        <pc:sldMkLst>
-          <pc:docMk/>
-          <pc:sldMk cId="3619757013" sldId="1383"/>
-        </pc:sldMkLst>
-      </pc:sldChg>
-      <pc:sldChg chg="del">
-        <pc:chgData name="KimBongSang" userId="c8ee6006-c320-4749-b534-71e37e88ccdb" providerId="ADAL" clId="{A372B46F-FC7E-45ED-8164-834097019FDA}" dt="2019-07-04T11:40:00.233" v="2676" actId="2696"/>
-        <pc:sldMkLst>
-          <pc:docMk/>
-          <pc:sldMk cId="312144940" sldId="1384"/>
-        </pc:sldMkLst>
-      </pc:sldChg>
-      <pc:sldChg chg="del">
-        <pc:chgData name="KimBongSang" userId="c8ee6006-c320-4749-b534-71e37e88ccdb" providerId="ADAL" clId="{A372B46F-FC7E-45ED-8164-834097019FDA}" dt="2019-07-04T11:40:06.045" v="2681" actId="2696"/>
-        <pc:sldMkLst>
-          <pc:docMk/>
-          <pc:sldMk cId="2360553392" sldId="1385"/>
-        </pc:sldMkLst>
-      </pc:sldChg>
-      <pc:sldChg chg="modSp add del">
-        <pc:chgData name="KimBongSang" userId="c8ee6006-c320-4749-b534-71e37e88ccdb" providerId="ADAL" clId="{A372B46F-FC7E-45ED-8164-834097019FDA}" dt="2019-07-04T10:47:47.493" v="2293" actId="2696"/>
-        <pc:sldMkLst>
-          <pc:docMk/>
-          <pc:sldMk cId="1560427835" sldId="1386"/>
-        </pc:sldMkLst>
-        <pc:spChg chg="mod">
-          <ac:chgData name="KimBongSang" userId="c8ee6006-c320-4749-b534-71e37e88ccdb" providerId="ADAL" clId="{A372B46F-FC7E-45ED-8164-834097019FDA}" dt="2019-07-04T08:36:28.617" v="659"/>
-          <ac:spMkLst>
-            <pc:docMk/>
-            <pc:sldMk cId="1560427835" sldId="1386"/>
-            <ac:spMk id="3" creationId="{76A2C441-517F-450A-A437-5A34F2F7B7E1}"/>
-          </ac:spMkLst>
-        </pc:spChg>
-      </pc:sldChg>
-      <pc:sldChg chg="add del">
-        <pc:chgData name="KimBongSang" userId="c8ee6006-c320-4749-b534-71e37e88ccdb" providerId="ADAL" clId="{A372B46F-FC7E-45ED-8164-834097019FDA}" dt="2019-07-04T08:34:45.655" v="133" actId="2696"/>
-        <pc:sldMkLst>
-          <pc:docMk/>
-          <pc:sldMk cId="3288546974" sldId="1386"/>
-        </pc:sldMkLst>
-      </pc:sldChg>
-      <pc:sldChg chg="modSp add">
-        <pc:chgData name="KimBongSang" userId="c8ee6006-c320-4749-b534-71e37e88ccdb" providerId="ADAL" clId="{A372B46F-FC7E-45ED-8164-834097019FDA}" dt="2019-07-04T12:19:12.840" v="4403" actId="20577"/>
-        <pc:sldMkLst>
-          <pc:docMk/>
-          <pc:sldMk cId="3739733913" sldId="1386"/>
-        </pc:sldMkLst>
-        <pc:spChg chg="mod">
-          <ac:chgData name="KimBongSang" userId="c8ee6006-c320-4749-b534-71e37e88ccdb" providerId="ADAL" clId="{A372B46F-FC7E-45ED-8164-834097019FDA}" dt="2019-07-04T11:24:45.596" v="2312" actId="20577"/>
-          <ac:spMkLst>
-            <pc:docMk/>
-            <pc:sldMk cId="3739733913" sldId="1386"/>
-            <ac:spMk id="2" creationId="{D479E31B-A679-4AE2-A74F-D35A39E82A40}"/>
-          </ac:spMkLst>
-        </pc:spChg>
-        <pc:spChg chg="mod">
-          <ac:chgData name="KimBongSang" userId="c8ee6006-c320-4749-b534-71e37e88ccdb" providerId="ADAL" clId="{A372B46F-FC7E-45ED-8164-834097019FDA}" dt="2019-07-04T12:19:12.840" v="4403" actId="20577"/>
-          <ac:spMkLst>
-            <pc:docMk/>
-            <pc:sldMk cId="3739733913" sldId="1386"/>
-            <ac:spMk id="3" creationId="{76A2C441-517F-450A-A437-5A34F2F7B7E1}"/>
-          </ac:spMkLst>
-        </pc:spChg>
-      </pc:sldChg>
-      <pc:sldChg chg="add del">
-        <pc:chgData name="KimBongSang" userId="c8ee6006-c320-4749-b534-71e37e88ccdb" providerId="ADAL" clId="{A372B46F-FC7E-45ED-8164-834097019FDA}" dt="2019-07-04T11:39:49.895" v="2668" actId="2696"/>
-        <pc:sldMkLst>
-          <pc:docMk/>
-          <pc:sldMk cId="2968555301" sldId="1387"/>
-        </pc:sldMkLst>
-      </pc:sldChg>
-      <pc:sldChg chg="addSp modSp add ord">
-        <pc:chgData name="KimBongSang" userId="c8ee6006-c320-4749-b534-71e37e88ccdb" providerId="ADAL" clId="{A372B46F-FC7E-45ED-8164-834097019FDA}" dt="2019-07-04T12:28:25.789" v="4753" actId="20577"/>
-        <pc:sldMkLst>
-          <pc:docMk/>
-          <pc:sldMk cId="338106087" sldId="1388"/>
-        </pc:sldMkLst>
-        <pc:spChg chg="mod">
-          <ac:chgData name="KimBongSang" userId="c8ee6006-c320-4749-b534-71e37e88ccdb" providerId="ADAL" clId="{A372B46F-FC7E-45ED-8164-834097019FDA}" dt="2019-07-04T10:42:34.538" v="2083" actId="20577"/>
-          <ac:spMkLst>
-            <pc:docMk/>
-            <pc:sldMk cId="338106087" sldId="1388"/>
-            <ac:spMk id="2" creationId="{F5F63D42-1E06-4A5B-9AAA-45F95E0B04D0}"/>
-          </ac:spMkLst>
-        </pc:spChg>
-        <pc:spChg chg="mod">
-          <ac:chgData name="KimBongSang" userId="c8ee6006-c320-4749-b534-71e37e88ccdb" providerId="ADAL" clId="{A372B46F-FC7E-45ED-8164-834097019FDA}" dt="2019-07-04T12:28:25.789" v="4753" actId="20577"/>
-          <ac:spMkLst>
-            <pc:docMk/>
-            <pc:sldMk cId="338106087" sldId="1388"/>
-            <ac:spMk id="3" creationId="{08458E5A-D904-4F83-968A-D96BD79BB32E}"/>
-          </ac:spMkLst>
-        </pc:spChg>
-        <pc:picChg chg="add mod">
-          <ac:chgData name="KimBongSang" userId="c8ee6006-c320-4749-b534-71e37e88ccdb" providerId="ADAL" clId="{A372B46F-FC7E-45ED-8164-834097019FDA}" dt="2019-07-04T12:23:10.979" v="4537" actId="1036"/>
-          <ac:picMkLst>
-            <pc:docMk/>
-            <pc:sldMk cId="338106087" sldId="1388"/>
-            <ac:picMk id="1026" creationId="{50C10B8A-F2EF-4397-86A7-283700D2D597}"/>
-          </ac:picMkLst>
-        </pc:picChg>
-      </pc:sldChg>
-      <pc:sldChg chg="addSp modSp add">
-        <pc:chgData name="KimBongSang" userId="c8ee6006-c320-4749-b534-71e37e88ccdb" providerId="ADAL" clId="{A372B46F-FC7E-45ED-8164-834097019FDA}" dt="2019-07-04T11:34:27.551" v="2562" actId="20577"/>
-        <pc:sldMkLst>
-          <pc:docMk/>
-          <pc:sldMk cId="2239232316" sldId="1389"/>
-        </pc:sldMkLst>
-        <pc:spChg chg="mod">
-          <ac:chgData name="KimBongSang" userId="c8ee6006-c320-4749-b534-71e37e88ccdb" providerId="ADAL" clId="{A372B46F-FC7E-45ED-8164-834097019FDA}" dt="2019-07-04T11:24:39.447" v="2306" actId="6549"/>
-          <ac:spMkLst>
-            <pc:docMk/>
-            <pc:sldMk cId="2239232316" sldId="1389"/>
-            <ac:spMk id="2" creationId="{F5F63D42-1E06-4A5B-9AAA-45F95E0B04D0}"/>
-          </ac:spMkLst>
-        </pc:spChg>
-        <pc:spChg chg="mod">
-          <ac:chgData name="KimBongSang" userId="c8ee6006-c320-4749-b534-71e37e88ccdb" providerId="ADAL" clId="{A372B46F-FC7E-45ED-8164-834097019FDA}" dt="2019-07-04T11:34:27.551" v="2562" actId="20577"/>
-          <ac:spMkLst>
-            <pc:docMk/>
-            <pc:sldMk cId="2239232316" sldId="1389"/>
-            <ac:spMk id="3" creationId="{08458E5A-D904-4F83-968A-D96BD79BB32E}"/>
-          </ac:spMkLst>
-        </pc:spChg>
-        <pc:picChg chg="add mod">
-          <ac:chgData name="KimBongSang" userId="c8ee6006-c320-4749-b534-71e37e88ccdb" providerId="ADAL" clId="{A372B46F-FC7E-45ED-8164-834097019FDA}" dt="2019-07-04T10:47:04.020" v="2273" actId="1076"/>
-          <ac:picMkLst>
-            <pc:docMk/>
-            <pc:sldMk cId="2239232316" sldId="1389"/>
-            <ac:picMk id="1026" creationId="{10C0BC41-E8F1-4660-8C3A-FE406D719765}"/>
-          </ac:picMkLst>
-        </pc:picChg>
-      </pc:sldChg>
-      <pc:sldChg chg="addSp delSp modSp add">
-        <pc:chgData name="KimBongSang" userId="c8ee6006-c320-4749-b534-71e37e88ccdb" providerId="ADAL" clId="{A372B46F-FC7E-45ED-8164-834097019FDA}" dt="2019-07-04T12:11:22.288" v="3779" actId="27309"/>
-        <pc:sldMkLst>
-          <pc:docMk/>
-          <pc:sldMk cId="1208485303" sldId="1390"/>
-        </pc:sldMkLst>
-        <pc:spChg chg="mod">
-          <ac:chgData name="KimBongSang" userId="c8ee6006-c320-4749-b534-71e37e88ccdb" providerId="ADAL" clId="{A372B46F-FC7E-45ED-8164-834097019FDA}" dt="2019-07-04T10:34:15.702" v="1821" actId="20577"/>
-          <ac:spMkLst>
-            <pc:docMk/>
-            <pc:sldMk cId="1208485303" sldId="1390"/>
-            <ac:spMk id="2" creationId="{F5F63D42-1E06-4A5B-9AAA-45F95E0B04D0}"/>
-          </ac:spMkLst>
-        </pc:spChg>
-        <pc:spChg chg="mod">
-          <ac:chgData name="KimBongSang" userId="c8ee6006-c320-4749-b534-71e37e88ccdb" providerId="ADAL" clId="{A372B46F-FC7E-45ED-8164-834097019FDA}" dt="2019-07-04T12:08:26.873" v="3744" actId="20577"/>
-          <ac:spMkLst>
-            <pc:docMk/>
-            <pc:sldMk cId="1208485303" sldId="1390"/>
-            <ac:spMk id="3" creationId="{08458E5A-D904-4F83-968A-D96BD79BB32E}"/>
-          </ac:spMkLst>
-        </pc:spChg>
-        <pc:spChg chg="del">
-          <ac:chgData name="KimBongSang" userId="c8ee6006-c320-4749-b534-71e37e88ccdb" providerId="ADAL" clId="{A372B46F-FC7E-45ED-8164-834097019FDA}" dt="2019-07-04T10:41:46.390" v="2037" actId="478"/>
-          <ac:spMkLst>
-            <pc:docMk/>
-            <pc:sldMk cId="1208485303" sldId="1390"/>
-            <ac:spMk id="4" creationId="{68B4991D-9E70-4B7E-B0BC-6D7F6F1176C3}"/>
-          </ac:spMkLst>
-        </pc:spChg>
-        <pc:spChg chg="del">
-          <ac:chgData name="KimBongSang" userId="c8ee6006-c320-4749-b534-71e37e88ccdb" providerId="ADAL" clId="{A372B46F-FC7E-45ED-8164-834097019FDA}" dt="2019-07-04T10:41:46.723" v="2038" actId="478"/>
-          <ac:spMkLst>
-            <pc:docMk/>
-            <pc:sldMk cId="1208485303" sldId="1390"/>
-            <ac:spMk id="5" creationId="{AB4FB5A5-EBAE-4065-A256-1D3E9E404C4B}"/>
-          </ac:spMkLst>
-        </pc:spChg>
-        <pc:spChg chg="del">
-          <ac:chgData name="KimBongSang" userId="c8ee6006-c320-4749-b534-71e37e88ccdb" providerId="ADAL" clId="{A372B46F-FC7E-45ED-8164-834097019FDA}" dt="2019-07-04T10:41:47.799" v="2039" actId="478"/>
-          <ac:spMkLst>
-            <pc:docMk/>
-            <pc:sldMk cId="1208485303" sldId="1390"/>
-            <ac:spMk id="6" creationId="{52153FEE-BB22-432F-B525-6BEBB265316A}"/>
-          </ac:spMkLst>
-        </pc:spChg>
-        <pc:spChg chg="del mod">
-          <ac:chgData name="KimBongSang" userId="c8ee6006-c320-4749-b534-71e37e88ccdb" providerId="ADAL" clId="{A372B46F-FC7E-45ED-8164-834097019FDA}" dt="2019-07-04T10:41:50.131" v="2042" actId="478"/>
-          <ac:spMkLst>
-            <pc:docMk/>
-            <pc:sldMk cId="1208485303" sldId="1390"/>
-            <ac:spMk id="7" creationId="{48CA2EC5-C07E-4EE8-A7B2-758FB63FB923}"/>
-          </ac:spMkLst>
-        </pc:spChg>
-        <pc:graphicFrameChg chg="add del modGraphic">
-          <ac:chgData name="KimBongSang" userId="c8ee6006-c320-4749-b534-71e37e88ccdb" providerId="ADAL" clId="{A372B46F-FC7E-45ED-8164-834097019FDA}" dt="2019-07-04T12:11:22.288" v="3779" actId="27309"/>
-          <ac:graphicFrameMkLst>
-            <pc:docMk/>
-            <pc:sldMk cId="1208485303" sldId="1390"/>
-            <ac:graphicFrameMk id="6" creationId="{687C05BD-7B67-43FB-A320-8D0837BE60EC}"/>
-          </ac:graphicFrameMkLst>
-        </pc:graphicFrameChg>
-        <pc:picChg chg="add mod">
-          <ac:chgData name="KimBongSang" userId="c8ee6006-c320-4749-b534-71e37e88ccdb" providerId="ADAL" clId="{A372B46F-FC7E-45ED-8164-834097019FDA}" dt="2019-07-04T12:00:29.211" v="3399" actId="1076"/>
-          <ac:picMkLst>
-            <pc:docMk/>
-            <pc:sldMk cId="1208485303" sldId="1390"/>
-            <ac:picMk id="4" creationId="{2C62CABB-4DF0-4913-BF9B-A58BB61C6743}"/>
-          </ac:picMkLst>
-        </pc:picChg>
-      </pc:sldChg>
-      <pc:sldChg chg="delSp modSp add ord">
-        <pc:chgData name="KimBongSang" userId="c8ee6006-c320-4749-b534-71e37e88ccdb" providerId="ADAL" clId="{A372B46F-FC7E-45ED-8164-834097019FDA}" dt="2019-07-04T12:17:05.527" v="4299"/>
-        <pc:sldMkLst>
-          <pc:docMk/>
-          <pc:sldMk cId="480253426" sldId="1391"/>
-        </pc:sldMkLst>
-        <pc:spChg chg="mod">
-          <ac:chgData name="KimBongSang" userId="c8ee6006-c320-4749-b534-71e37e88ccdb" providerId="ADAL" clId="{A372B46F-FC7E-45ED-8164-834097019FDA}" dt="2019-07-04T12:17:05.527" v="4299"/>
-          <ac:spMkLst>
-            <pc:docMk/>
-            <pc:sldMk cId="480253426" sldId="1391"/>
-            <ac:spMk id="3" creationId="{08458E5A-D904-4F83-968A-D96BD79BB32E}"/>
-          </ac:spMkLst>
-        </pc:spChg>
-        <pc:picChg chg="del">
-          <ac:chgData name="KimBongSang" userId="c8ee6006-c320-4749-b534-71e37e88ccdb" providerId="ADAL" clId="{A372B46F-FC7E-45ED-8164-834097019FDA}" dt="2019-07-04T11:24:50.205" v="2314" actId="478"/>
-          <ac:picMkLst>
-            <pc:docMk/>
-            <pc:sldMk cId="480253426" sldId="1391"/>
-            <ac:picMk id="1026" creationId="{10C0BC41-E8F1-4660-8C3A-FE406D719765}"/>
-          </ac:picMkLst>
-        </pc:picChg>
-      </pc:sldChg>
-      <pc:sldChg chg="delSp modSp add del">
-        <pc:chgData name="KimBongSang" userId="c8ee6006-c320-4749-b534-71e37e88ccdb" providerId="ADAL" clId="{A372B46F-FC7E-45ED-8164-834097019FDA}" dt="2019-07-04T10:45:30.501" v="2266" actId="2696"/>
-        <pc:sldMkLst>
-          <pc:docMk/>
-          <pc:sldMk cId="1211729212" sldId="1391"/>
-        </pc:sldMkLst>
-        <pc:spChg chg="mod">
-          <ac:chgData name="KimBongSang" userId="c8ee6006-c320-4749-b534-71e37e88ccdb" providerId="ADAL" clId="{A372B46F-FC7E-45ED-8164-834097019FDA}" dt="2019-07-04T10:45:26.184" v="2265" actId="20577"/>
-          <ac:spMkLst>
-            <pc:docMk/>
-            <pc:sldMk cId="1211729212" sldId="1391"/>
-            <ac:spMk id="3" creationId="{08458E5A-D904-4F83-968A-D96BD79BB32E}"/>
-          </ac:spMkLst>
-        </pc:spChg>
-        <pc:spChg chg="del">
-          <ac:chgData name="KimBongSang" userId="c8ee6006-c320-4749-b534-71e37e88ccdb" providerId="ADAL" clId="{A372B46F-FC7E-45ED-8164-834097019FDA}" dt="2019-07-04T10:45:01.273" v="2190" actId="478"/>
-          <ac:spMkLst>
-            <pc:docMk/>
-            <pc:sldMk cId="1211729212" sldId="1391"/>
-            <ac:spMk id="4" creationId="{68B4991D-9E70-4B7E-B0BC-6D7F6F1176C3}"/>
-          </ac:spMkLst>
-        </pc:spChg>
-        <pc:spChg chg="del mod">
-          <ac:chgData name="KimBongSang" userId="c8ee6006-c320-4749-b534-71e37e88ccdb" providerId="ADAL" clId="{A372B46F-FC7E-45ED-8164-834097019FDA}" dt="2019-07-04T10:45:02.759" v="2192" actId="478"/>
-          <ac:spMkLst>
-            <pc:docMk/>
-            <pc:sldMk cId="1211729212" sldId="1391"/>
-            <ac:spMk id="5" creationId="{AB4FB5A5-EBAE-4065-A256-1D3E9E404C4B}"/>
-          </ac:spMkLst>
-        </pc:spChg>
-        <pc:spChg chg="del">
-          <ac:chgData name="KimBongSang" userId="c8ee6006-c320-4749-b534-71e37e88ccdb" providerId="ADAL" clId="{A372B46F-FC7E-45ED-8164-834097019FDA}" dt="2019-07-04T10:45:03.579" v="2193" actId="478"/>
-          <ac:spMkLst>
-            <pc:docMk/>
-            <pc:sldMk cId="1211729212" sldId="1391"/>
-            <ac:spMk id="6" creationId="{52153FEE-BB22-432F-B525-6BEBB265316A}"/>
-          </ac:spMkLst>
-        </pc:spChg>
-        <pc:spChg chg="del">
-          <ac:chgData name="KimBongSang" userId="c8ee6006-c320-4749-b534-71e37e88ccdb" providerId="ADAL" clId="{A372B46F-FC7E-45ED-8164-834097019FDA}" dt="2019-07-04T10:45:04.199" v="2194" actId="478"/>
-          <ac:spMkLst>
-            <pc:docMk/>
-            <pc:sldMk cId="1211729212" sldId="1391"/>
-            <ac:spMk id="7" creationId="{48CA2EC5-C07E-4EE8-A7B2-758FB63FB923}"/>
-          </ac:spMkLst>
-        </pc:spChg>
-      </pc:sldChg>
-      <pc:sldChg chg="modSp add del">
-        <pc:chgData name="KimBongSang" userId="c8ee6006-c320-4749-b534-71e37e88ccdb" providerId="ADAL" clId="{A372B46F-FC7E-45ED-8164-834097019FDA}" dt="2019-07-04T12:21:05.436" v="4428" actId="2696"/>
-        <pc:sldMkLst>
-          <pc:docMk/>
-          <pc:sldMk cId="1303738248" sldId="1392"/>
-        </pc:sldMkLst>
-        <pc:spChg chg="mod">
-          <ac:chgData name="KimBongSang" userId="c8ee6006-c320-4749-b534-71e37e88ccdb" providerId="ADAL" clId="{A372B46F-FC7E-45ED-8164-834097019FDA}" dt="2019-07-04T11:33:01.340" v="2529" actId="20577"/>
-          <ac:spMkLst>
-            <pc:docMk/>
-            <pc:sldMk cId="1303738248" sldId="1392"/>
-            <ac:spMk id="3" creationId="{08458E5A-D904-4F83-968A-D96BD79BB32E}"/>
-          </ac:spMkLst>
-        </pc:spChg>
-      </pc:sldChg>
-      <pc:sldChg chg="addSp modSp add ord">
-        <pc:chgData name="KimBongSang" userId="c8ee6006-c320-4749-b534-71e37e88ccdb" providerId="ADAL" clId="{A372B46F-FC7E-45ED-8164-834097019FDA}" dt="2019-07-04T12:07:46.212" v="3738" actId="1076"/>
-        <pc:sldMkLst>
-          <pc:docMk/>
-          <pc:sldMk cId="3799050912" sldId="1393"/>
-        </pc:sldMkLst>
-        <pc:spChg chg="mod">
-          <ac:chgData name="KimBongSang" userId="c8ee6006-c320-4749-b534-71e37e88ccdb" providerId="ADAL" clId="{A372B46F-FC7E-45ED-8164-834097019FDA}" dt="2019-07-04T12:06:58.148" v="3735" actId="115"/>
-          <ac:spMkLst>
-            <pc:docMk/>
-            <pc:sldMk cId="3799050912" sldId="1393"/>
-            <ac:spMk id="3" creationId="{08458E5A-D904-4F83-968A-D96BD79BB32E}"/>
-          </ac:spMkLst>
-        </pc:spChg>
-        <pc:picChg chg="add mod">
-          <ac:chgData name="KimBongSang" userId="c8ee6006-c320-4749-b534-71e37e88ccdb" providerId="ADAL" clId="{A372B46F-FC7E-45ED-8164-834097019FDA}" dt="2019-07-04T12:07:46.212" v="3738" actId="1076"/>
-          <ac:picMkLst>
-            <pc:docMk/>
-            <pc:sldMk cId="3799050912" sldId="1393"/>
-            <ac:picMk id="4" creationId="{2529555D-ECA8-4926-AAD2-6F83DAB35B16}"/>
-          </ac:picMkLst>
-        </pc:picChg>
-      </pc:sldChg>
-    </pc:docChg>
-  </pc:docChgLst>
-</pc:chgInfo>
-</file>
-
 <file path=ppt/handoutMasters/handoutMaster1.xml><?xml version="1.0" encoding="utf-8"?>
 <p:handoutMaster xmlns:a="http://schemas.openxmlformats.org/drawingml/2006/main" xmlns:r="http://schemas.openxmlformats.org/officeDocument/2006/relationships" xmlns:p="http://schemas.openxmlformats.org/presentationml/2006/main">
   <p:cSld>
@@ -838,7 +261,7 @@
           <a:p>
             <a:fld id="{CA9481DB-C454-F848-85FD-7531C4681FA8}" type="datetimeFigureOut">
               <a:rPr lang="en-US" smtClean="0"/>
-              <a:t>7/4/2019</a:t>
+              <a:t>7/5/2019</a:t>
             </a:fld>
             <a:endParaRPr lang="en-US" dirty="0"/>
           </a:p>
@@ -1004,7 +427,7 @@
           <a:p>
             <a:fld id="{4915021A-BD82-6549-B6F0-C141B99A7573}" type="datetimeFigureOut">
               <a:rPr lang="en-US" smtClean="0"/>
-              <a:t>7/4/2019</a:t>
+              <a:t>7/5/2019</a:t>
             </a:fld>
             <a:endParaRPr lang="en-US" dirty="0"/>
           </a:p>
@@ -5394,15 +4817,7 @@
           <a:p>
             <a:r>
               <a:rPr lang="en-US" altLang="ko-KR" b="1" dirty="0"/>
-              <a:t>Divide </a:t>
-            </a:r>
-            <a:r>
-              <a:rPr lang="en-US" altLang="ko-KR" b="1" dirty="0" err="1"/>
-              <a:t>Obective</a:t>
-            </a:r>
-            <a:r>
-              <a:rPr lang="en-US" altLang="ko-KR" b="1" dirty="0"/>
-              <a:t> into RL/Env code</a:t>
+              <a:t>Divide Objective into RL/Env code</a:t>
             </a:r>
           </a:p>
           <a:p>
@@ -5712,15 +5127,39 @@
           <a:p>
             <a:pPr lvl="1"/>
             <a:r>
-              <a:rPr lang="en-US" altLang="ko-KR" b="1" dirty="0"/>
-              <a:t>Approximate action-value function by deep neural network</a:t>
+              <a:rPr lang="en-US" altLang="ko-KR" b="1" dirty="0">
+                <a:solidFill>
+                  <a:srgbClr val="FF0000"/>
+                </a:solidFill>
+              </a:rPr>
+              <a:t>Approximate action-value(Q) function</a:t>
+            </a:r>
+            <a:r>
+              <a:rPr lang="en-US" altLang="ko-KR" b="1" dirty="0">
+                <a:solidFill>
+                  <a:schemeClr val="tx1"/>
+                </a:solidFill>
+              </a:rPr>
+              <a:t> by deep neural network</a:t>
             </a:r>
           </a:p>
           <a:p>
             <a:pPr lvl="1"/>
             <a:r>
-              <a:rPr lang="en-US" altLang="ko-KR" b="1" dirty="0"/>
-              <a:t>Update by the gradient of loss function</a:t>
+              <a:rPr lang="en-US" altLang="ko-KR" b="1" dirty="0">
+                <a:solidFill>
+                  <a:schemeClr val="tx1"/>
+                </a:solidFill>
+              </a:rPr>
+              <a:t>Update by the </a:t>
+            </a:r>
+            <a:r>
+              <a:rPr lang="en-US" altLang="ko-KR" b="1" dirty="0">
+                <a:solidFill>
+                  <a:srgbClr val="0000FF"/>
+                </a:solidFill>
+              </a:rPr>
+              <a:t>gradient of loss function</a:t>
             </a:r>
           </a:p>
         </p:txBody>
@@ -5819,8 +5258,8 @@
           </a:p>
         </p:txBody>
       </p:sp>
-      <mc:AlternateContent xmlns:mc="http://schemas.openxmlformats.org/markup-compatibility/2006" xmlns:a14="http://schemas.microsoft.com/office/drawing/2010/main">
-        <mc:Choice Requires="a14">
+      <mc:AlternateContent xmlns:mc="http://schemas.openxmlformats.org/markup-compatibility/2006">
+        <mc:Choice xmlns:a14="http://schemas.microsoft.com/office/drawing/2010/main" Requires="a14">
           <p:sp>
             <p:nvSpPr>
               <p:cNvPr id="3" name="내용 개체 틀 2">
@@ -5850,20 +5289,39 @@
               <a:lstStyle/>
               <a:p>
                 <a:r>
-                  <a:rPr lang="en-US" altLang="ko-KR" b="1" dirty="0"/>
+                  <a:rPr lang="en-US" altLang="ko-KR" b="1" dirty="0">
+                    <a:solidFill>
+                      <a:schemeClr val="tx1"/>
+                    </a:solidFill>
+                  </a:rPr>
                   <a:t>Actor-Critic</a:t>
                 </a:r>
               </a:p>
               <a:p>
                 <a:pPr lvl="1"/>
                 <a:r>
-                  <a:rPr lang="en-US" altLang="ko-KR" b="1" dirty="0"/>
-                  <a:t>Actor: update </a:t>
+                  <a:rPr lang="en-US" altLang="ko-KR" b="1" dirty="0">
+                    <a:solidFill>
+                      <a:srgbClr val="0000FF"/>
+                    </a:solidFill>
+                  </a:rPr>
+                  <a:t>Actor</a:t>
+                </a:r>
+                <a:r>
+                  <a:rPr lang="en-US" altLang="ko-KR" b="1" dirty="0">
+                    <a:solidFill>
+                      <a:schemeClr val="tx1"/>
+                    </a:solidFill>
+                  </a:rPr>
+                  <a:t>: update </a:t>
                 </a:r>
                 <a14:m>
                   <m:oMath xmlns:m="http://schemas.openxmlformats.org/officeDocument/2006/math">
                     <m:r>
                       <a:rPr lang="en-US" altLang="ko-KR" b="1" i="1" smtClean="0">
+                        <a:solidFill>
+                          <a:schemeClr val="tx1"/>
+                        </a:solidFill>
                         <a:latin typeface="Cambria Math" panose="02040503050406030204" pitchFamily="18" charset="0"/>
                       </a:rPr>
                       <m:t>𝜽</m:t>
@@ -5871,55 +5329,99 @@
                   </m:oMath>
                 </a14:m>
                 <a:r>
-                  <a:rPr lang="en-US" altLang="ko-KR" b="1" dirty="0"/>
+                  <a:rPr lang="en-US" altLang="ko-KR" b="1" dirty="0">
+                    <a:solidFill>
+                      <a:schemeClr val="tx1"/>
+                    </a:solidFill>
+                  </a:rPr>
                   <a:t> which approximate policy</a:t>
                 </a:r>
               </a:p>
               <a:p>
                 <a:pPr lvl="1"/>
                 <a:r>
-                  <a:rPr lang="en-US" altLang="ko-KR" b="1" dirty="0"/>
-                  <a:t>Critic: update w which approximate action-value function q(</a:t>
+                  <a:rPr lang="en-US" altLang="ko-KR" b="1" dirty="0">
+                    <a:solidFill>
+                      <a:srgbClr val="FF0000"/>
+                    </a:solidFill>
+                  </a:rPr>
+                  <a:t>Critic</a:t>
                 </a:r>
                 <a:r>
-                  <a:rPr lang="en-US" altLang="ko-KR" b="1" dirty="0" err="1"/>
+                  <a:rPr lang="en-US" altLang="ko-KR" b="1" dirty="0">
+                    <a:solidFill>
+                      <a:schemeClr val="tx1"/>
+                    </a:solidFill>
+                  </a:rPr>
+                  <a:t>: update w which approximate action-value function q(</a:t>
+                </a:r>
+                <a:r>
+                  <a:rPr lang="en-US" altLang="ko-KR" b="1" dirty="0" err="1">
+                    <a:solidFill>
+                      <a:schemeClr val="tx1"/>
+                    </a:solidFill>
+                  </a:rPr>
                   <a:t>s,a</a:t>
                 </a:r>
                 <a:r>
-                  <a:rPr lang="en-US" altLang="ko-KR" b="1" dirty="0"/>
+                  <a:rPr lang="en-US" altLang="ko-KR" b="1" dirty="0">
+                    <a:solidFill>
+                      <a:schemeClr val="tx1"/>
+                    </a:solidFill>
+                  </a:rPr>
                   <a:t>)</a:t>
                 </a:r>
               </a:p>
               <a:p>
                 <a:pPr lvl="1"/>
                 <a:r>
-                  <a:rPr lang="en-US" altLang="ko-KR" b="1" dirty="0"/>
+                  <a:rPr lang="en-US" altLang="ko-KR" b="1" dirty="0">
+                    <a:solidFill>
+                      <a:schemeClr val="tx1"/>
+                    </a:solidFill>
+                  </a:rPr>
                   <a:t>Could reduce learning time by approximating q function</a:t>
                 </a:r>
               </a:p>
               <a:p>
                 <a:pPr lvl="1"/>
                 <a:r>
-                  <a:rPr lang="en-US" altLang="ko-KR" b="1" dirty="0"/>
+                  <a:rPr lang="en-US" altLang="ko-KR" b="1" dirty="0">
+                    <a:solidFill>
+                      <a:schemeClr val="tx1"/>
+                    </a:solidFill>
+                  </a:rPr>
                   <a:t>Actor-Critic follows an </a:t>
                 </a:r>
                 <a:r>
-                  <a:rPr lang="en-US" altLang="ko-KR" b="1" u="sng" dirty="0"/>
+                  <a:rPr lang="en-US" altLang="ko-KR" b="1" u="sng" dirty="0">
+                    <a:solidFill>
+                      <a:schemeClr val="tx1"/>
+                    </a:solidFill>
+                  </a:rPr>
                   <a:t>approximate</a:t>
                 </a:r>
                 <a:r>
-                  <a:rPr lang="en-US" altLang="ko-KR" b="1" dirty="0"/>
+                  <a:rPr lang="en-US" altLang="ko-KR" b="1" dirty="0">
+                    <a:solidFill>
+                      <a:schemeClr val="tx1"/>
+                    </a:solidFill>
+                  </a:rPr>
                   <a:t> policy gradient</a:t>
                 </a:r>
               </a:p>
               <a:p>
                 <a:pPr lvl="1"/>
-                <a:endParaRPr lang="en-US" altLang="ko-KR" b="1" dirty="0"/>
+                <a:endParaRPr lang="en-US" altLang="ko-KR" b="1" dirty="0">
+                  <a:solidFill>
+                    <a:schemeClr val="tx1"/>
+                  </a:solidFill>
+                </a:endParaRPr>
               </a:p>
             </p:txBody>
           </p:sp>
         </mc:Choice>
-        <mc:Fallback xmlns="">
+        <mc:Fallback>
           <p:sp>
             <p:nvSpPr>
               <p:cNvPr id="3" name="내용 개체 틀 2">
@@ -6086,132 +5588,56 @@
           <a:lstStyle/>
           <a:p>
             <a:r>
+              <a:rPr lang="en-US" altLang="ko-KR" b="1" dirty="0"/>
+              <a:t>Monte-Carlo Tree Search</a:t>
+            </a:r>
+          </a:p>
+          <a:p>
+            <a:r>
               <a:rPr lang="en-US" altLang="ko-KR" b="1" dirty="0">
                 <a:solidFill>
-                  <a:schemeClr val="tx1">
-                    <a:lumMod val="75000"/>
-                    <a:lumOff val="25000"/>
-                  </a:schemeClr>
+                  <a:srgbClr val="FF0000"/>
                 </a:solidFill>
               </a:rPr>
-              <a:t>Monte-Carlo Tree Search</a:t>
-            </a:r>
-          </a:p>
-          <a:p>
+              <a:t>State, node visit count, value </a:t>
+            </a:r>
+          </a:p>
+          <a:p>
+            <a:endParaRPr lang="en-US" altLang="ko-KR" b="1" dirty="0"/>
+          </a:p>
+          <a:p>
+            <a:endParaRPr lang="en-US" altLang="ko-KR" b="1" dirty="0"/>
+          </a:p>
+          <a:p>
+            <a:endParaRPr lang="en-US" altLang="ko-KR" b="1" dirty="0"/>
+          </a:p>
+          <a:p>
+            <a:endParaRPr lang="en-US" altLang="ko-KR" b="1" dirty="0"/>
+          </a:p>
+          <a:p>
+            <a:endParaRPr lang="en-US" altLang="ko-KR" b="1" dirty="0"/>
+          </a:p>
+          <a:p>
+            <a:endParaRPr lang="en-US" altLang="ko-KR" b="1" dirty="0"/>
+          </a:p>
+          <a:p>
+            <a:endParaRPr lang="en-US" altLang="ko-KR" b="1" dirty="0"/>
+          </a:p>
+          <a:p>
+            <a:endParaRPr lang="en-US" altLang="ko-KR" b="1" dirty="0"/>
+          </a:p>
+          <a:p>
+            <a:r>
+              <a:rPr lang="en-US" altLang="ko-KR" b="1" dirty="0"/>
+              <a:t>Why MCTS?</a:t>
+            </a:r>
+          </a:p>
+          <a:p>
+            <a:pPr lvl="1"/>
             <a:r>
               <a:rPr lang="en-US" altLang="ko-KR" b="1" dirty="0">
                 <a:solidFill>
-                  <a:schemeClr val="tx1">
-                    <a:lumMod val="75000"/>
-                    <a:lumOff val="25000"/>
-                  </a:schemeClr>
-                </a:solidFill>
-              </a:rPr>
-              <a:t>State, visit #, value </a:t>
-            </a:r>
-          </a:p>
-          <a:p>
-            <a:endParaRPr lang="en-US" altLang="ko-KR" b="1" dirty="0">
-              <a:solidFill>
-                <a:schemeClr val="tx1">
-                  <a:lumMod val="75000"/>
-                  <a:lumOff val="25000"/>
-                </a:schemeClr>
-              </a:solidFill>
-            </a:endParaRPr>
-          </a:p>
-          <a:p>
-            <a:endParaRPr lang="en-US" altLang="ko-KR" b="1" dirty="0">
-              <a:solidFill>
-                <a:schemeClr val="tx1">
-                  <a:lumMod val="75000"/>
-                  <a:lumOff val="25000"/>
-                </a:schemeClr>
-              </a:solidFill>
-            </a:endParaRPr>
-          </a:p>
-          <a:p>
-            <a:endParaRPr lang="en-US" altLang="ko-KR" b="1" dirty="0">
-              <a:solidFill>
-                <a:schemeClr val="tx1">
-                  <a:lumMod val="75000"/>
-                  <a:lumOff val="25000"/>
-                </a:schemeClr>
-              </a:solidFill>
-            </a:endParaRPr>
-          </a:p>
-          <a:p>
-            <a:endParaRPr lang="en-US" altLang="ko-KR" b="1" dirty="0">
-              <a:solidFill>
-                <a:schemeClr val="tx1">
-                  <a:lumMod val="75000"/>
-                  <a:lumOff val="25000"/>
-                </a:schemeClr>
-              </a:solidFill>
-            </a:endParaRPr>
-          </a:p>
-          <a:p>
-            <a:endParaRPr lang="en-US" altLang="ko-KR" b="1" dirty="0">
-              <a:solidFill>
-                <a:schemeClr val="tx1">
-                  <a:lumMod val="75000"/>
-                  <a:lumOff val="25000"/>
-                </a:schemeClr>
-              </a:solidFill>
-            </a:endParaRPr>
-          </a:p>
-          <a:p>
-            <a:endParaRPr lang="en-US" altLang="ko-KR" b="1" dirty="0">
-              <a:solidFill>
-                <a:schemeClr val="tx1">
-                  <a:lumMod val="75000"/>
-                  <a:lumOff val="25000"/>
-                </a:schemeClr>
-              </a:solidFill>
-            </a:endParaRPr>
-          </a:p>
-          <a:p>
-            <a:endParaRPr lang="en-US" altLang="ko-KR" b="1" dirty="0">
-              <a:solidFill>
-                <a:schemeClr val="tx1">
-                  <a:lumMod val="75000"/>
-                  <a:lumOff val="25000"/>
-                </a:schemeClr>
-              </a:solidFill>
-            </a:endParaRPr>
-          </a:p>
-          <a:p>
-            <a:endParaRPr lang="en-US" altLang="ko-KR" b="1" dirty="0">
-              <a:solidFill>
-                <a:schemeClr val="tx1">
-                  <a:lumMod val="75000"/>
-                  <a:lumOff val="25000"/>
-                </a:schemeClr>
-              </a:solidFill>
-            </a:endParaRPr>
-          </a:p>
-          <a:p>
-            <a:r>
-              <a:rPr lang="en-US" altLang="ko-KR" b="1" dirty="0">
-                <a:solidFill>
-                  <a:schemeClr val="tx1">
-                    <a:lumMod val="75000"/>
-                    <a:lumOff val="25000"/>
-                  </a:schemeClr>
-                </a:solidFill>
-              </a:rPr>
-              <a:t>Why MCTS?</a:t>
-            </a:r>
-          </a:p>
-          <a:p>
-            <a:pPr lvl="1"/>
-            <a:r>
-              <a:rPr lang="en-US" altLang="ko-KR" b="1" dirty="0">
-                <a:solidFill>
-                  <a:schemeClr val="tx1">
-                    <a:lumMod val="75000"/>
-                    <a:lumOff val="25000"/>
-                  </a:schemeClr>
+                  <a:schemeClr val="tx1"/>
                 </a:solidFill>
               </a:rPr>
               <a:t>Easy to come up with RL</a:t>
@@ -6219,10 +5645,7 @@
             <a:r>
               <a:rPr lang="ko-KR" altLang="en-US" b="1" dirty="0">
                 <a:solidFill>
-                  <a:schemeClr val="tx1">
-                    <a:lumMod val="75000"/>
-                    <a:lumOff val="25000"/>
-                  </a:schemeClr>
+                  <a:schemeClr val="tx1"/>
                 </a:solidFill>
               </a:rPr>
               <a:t> </a:t>
@@ -6230,10 +5653,7 @@
             <a:r>
               <a:rPr lang="en-US" altLang="ko-KR" b="1" dirty="0">
                 <a:solidFill>
-                  <a:schemeClr val="tx1">
-                    <a:lumMod val="75000"/>
-                    <a:lumOff val="25000"/>
-                  </a:schemeClr>
+                  <a:schemeClr val="tx1"/>
                 </a:solidFill>
               </a:rPr>
               <a:t>model with our</a:t>
@@ -6241,10 +5661,7 @@
             <a:r>
               <a:rPr lang="ko-KR" altLang="en-US" b="1" dirty="0">
                 <a:solidFill>
-                  <a:schemeClr val="tx1">
-                    <a:lumMod val="75000"/>
-                    <a:lumOff val="25000"/>
-                  </a:schemeClr>
+                  <a:schemeClr val="tx1"/>
                 </a:solidFill>
               </a:rPr>
               <a:t> </a:t>
@@ -6252,10 +5669,7 @@
             <a:r>
               <a:rPr lang="en-US" altLang="ko-KR" b="1" dirty="0">
                 <a:solidFill>
-                  <a:schemeClr val="tx1">
-                    <a:lumMod val="75000"/>
-                    <a:lumOff val="25000"/>
-                  </a:schemeClr>
+                  <a:schemeClr val="tx1"/>
                 </a:solidFill>
               </a:rPr>
               <a:t>environment model</a:t>
@@ -6503,8 +5917,8 @@
           </a:p>
         </p:txBody>
       </p:sp>
-      <mc:AlternateContent xmlns:mc="http://schemas.openxmlformats.org/markup-compatibility/2006" xmlns:a14="http://schemas.microsoft.com/office/drawing/2010/main">
-        <mc:Choice Requires="a14">
+      <mc:AlternateContent xmlns:mc="http://schemas.openxmlformats.org/markup-compatibility/2006">
+        <mc:Choice xmlns:a14="http://schemas.microsoft.com/office/drawing/2010/main" Requires="a14">
           <p:sp>
             <p:nvSpPr>
               <p:cNvPr id="3" name="내용 개체 틀 2">
@@ -6529,17 +5943,14 @@
             </p:spPr>
             <p:txBody>
               <a:bodyPr>
-                <a:normAutofit/>
+                <a:normAutofit fontScale="92500"/>
               </a:bodyPr>
               <a:lstStyle/>
               <a:p>
                 <a:r>
                   <a:rPr lang="en-US" altLang="ko-KR" b="1" dirty="0">
                     <a:solidFill>
-                      <a:schemeClr val="tx1">
-                        <a:lumMod val="75000"/>
-                        <a:lumOff val="25000"/>
-                      </a:schemeClr>
+                      <a:schemeClr val="tx1"/>
                     </a:solidFill>
                   </a:rPr>
                   <a:t>MCTS design</a:t>
@@ -6549,10 +5960,7 @@
                 <a:r>
                   <a:rPr lang="en-US" altLang="ko-KR" dirty="0">
                     <a:solidFill>
-                      <a:schemeClr val="tx1">
-                        <a:lumMod val="75000"/>
-                        <a:lumOff val="25000"/>
-                      </a:schemeClr>
+                      <a:schemeClr val="tx1"/>
                     </a:solidFill>
                   </a:rPr>
                   <a:t>n BS, m UE, distributed in random.</a:t>
@@ -6562,13 +5970,18 @@
                 <a:r>
                   <a:rPr lang="en-US" altLang="ko-KR" dirty="0">
                     <a:solidFill>
-                      <a:schemeClr val="tx1">
-                        <a:lumMod val="75000"/>
-                        <a:lumOff val="25000"/>
-                      </a:schemeClr>
+                      <a:srgbClr val="0000FF"/>
                     </a:solidFill>
                   </a:rPr>
-                  <a:t>State: BS on/off, discrete, </a:t>
+                  <a:t>State</a:t>
+                </a:r>
+                <a:r>
+                  <a:rPr lang="en-US" altLang="ko-KR" dirty="0">
+                    <a:solidFill>
+                      <a:schemeClr val="tx1"/>
+                    </a:solidFill>
+                  </a:rPr>
+                  <a:t>: Matrix of BS on/off [discrete, </a:t>
                 </a:r>
                 <a14:m>
                   <m:oMath xmlns:m="http://schemas.openxmlformats.org/officeDocument/2006/math">
@@ -6577,10 +5990,7 @@
                         <m:ctrlPr>
                           <a:rPr lang="en-US" altLang="ko-KR" b="0" i="1" smtClean="0">
                             <a:solidFill>
-                              <a:schemeClr val="tx1">
-                                <a:lumMod val="75000"/>
-                                <a:lumOff val="25000"/>
-                              </a:schemeClr>
+                              <a:schemeClr val="tx1"/>
                             </a:solidFill>
                             <a:latin typeface="Cambria Math" panose="02040503050406030204" pitchFamily="18" charset="0"/>
                           </a:rPr>
@@ -6590,10 +6000,7 @@
                         <m:r>
                           <a:rPr lang="en-US" altLang="ko-KR" b="0" i="1" smtClean="0">
                             <a:solidFill>
-                              <a:schemeClr val="tx1">
-                                <a:lumMod val="75000"/>
-                                <a:lumOff val="25000"/>
-                              </a:schemeClr>
+                              <a:schemeClr val="tx1"/>
                             </a:solidFill>
                             <a:latin typeface="Cambria Math" panose="02040503050406030204" pitchFamily="18" charset="0"/>
                           </a:rPr>
@@ -6604,10 +6011,7 @@
                         <m:r>
                           <a:rPr lang="en-US" altLang="ko-KR" b="0" i="1" smtClean="0">
                             <a:solidFill>
-                              <a:schemeClr val="tx1">
-                                <a:lumMod val="75000"/>
-                                <a:lumOff val="25000"/>
-                              </a:schemeClr>
+                              <a:schemeClr val="tx1"/>
                             </a:solidFill>
                             <a:latin typeface="Cambria Math" panose="02040503050406030204" pitchFamily="18" charset="0"/>
                           </a:rPr>
@@ -6618,10 +6022,7 @@
                     <m:r>
                       <a:rPr lang="en-US" altLang="ko-KR" b="0" i="1" smtClean="0">
                         <a:solidFill>
-                          <a:schemeClr val="tx1">
-                            <a:lumMod val="75000"/>
-                            <a:lumOff val="25000"/>
-                          </a:schemeClr>
+                          <a:schemeClr val="tx1"/>
                         </a:solidFill>
                         <a:latin typeface="Cambria Math" panose="02040503050406030204" pitchFamily="18" charset="0"/>
                       </a:rPr>
@@ -6630,68 +6031,53 @@
                     <m:r>
                       <a:rPr lang="en-US" altLang="ko-KR" dirty="0" smtClean="0">
                         <a:solidFill>
-                          <a:schemeClr val="tx1">
-                            <a:lumMod val="75000"/>
-                            <a:lumOff val="25000"/>
-                          </a:schemeClr>
+                          <a:schemeClr val="tx1"/>
                         </a:solidFill>
                         <a:latin typeface="Cambria Math" panose="02040503050406030204" pitchFamily="18" charset="0"/>
                       </a:rPr>
                       <m:t>≡</m:t>
                     </m:r>
-                    <m:sSub>
-                      <m:sSubPr>
+                    <m:sSup>
+                      <m:sSupPr>
                         <m:ctrlPr>
                           <a:rPr lang="en-US" altLang="ko-KR" b="0" i="1" dirty="0" smtClean="0">
                             <a:solidFill>
-                              <a:schemeClr val="tx1">
-                                <a:lumMod val="75000"/>
-                                <a:lumOff val="25000"/>
-                              </a:schemeClr>
+                              <a:schemeClr val="tx1"/>
                             </a:solidFill>
                             <a:latin typeface="Cambria Math" panose="02040503050406030204" pitchFamily="18" charset="0"/>
                           </a:rPr>
                         </m:ctrlPr>
-                      </m:sSubPr>
+                      </m:sSupPr>
                       <m:e>
+                        <m:r>
+                          <a:rPr lang="en-US" altLang="ko-KR" b="0" i="1" dirty="0" smtClean="0">
+                            <a:solidFill>
+                              <a:schemeClr val="tx1"/>
+                            </a:solidFill>
+                            <a:latin typeface="Cambria Math" panose="02040503050406030204" pitchFamily="18" charset="0"/>
+                          </a:rPr>
+                          <m:t>𝑖</m:t>
+                        </m:r>
+                      </m:e>
+                      <m:sup>
                         <m:r>
                           <m:rPr>
                             <m:sty m:val="p"/>
                           </m:rPr>
                           <a:rPr lang="en-US" altLang="ko-KR" b="0" i="0" dirty="0" smtClean="0">
                             <a:solidFill>
-                              <a:schemeClr val="tx1">
-                                <a:lumMod val="75000"/>
-                                <a:lumOff val="25000"/>
-                              </a:schemeClr>
+                              <a:schemeClr val="tx1"/>
                             </a:solidFill>
                             <a:latin typeface="Cambria Math" panose="02040503050406030204" pitchFamily="18" charset="0"/>
                           </a:rPr>
-                          <m:t>BS</m:t>
+                          <m:t>th</m:t>
                         </m:r>
-                      </m:e>
-                      <m:sub>
-                        <m:r>
-                          <a:rPr lang="en-US" altLang="ko-KR" b="0" i="1" dirty="0" smtClean="0">
-                            <a:solidFill>
-                              <a:schemeClr val="tx1">
-                                <a:lumMod val="75000"/>
-                                <a:lumOff val="25000"/>
-                              </a:schemeClr>
-                            </a:solidFill>
-                            <a:latin typeface="Cambria Math" panose="02040503050406030204" pitchFamily="18" charset="0"/>
-                          </a:rPr>
-                          <m:t>𝑖</m:t>
-                        </m:r>
-                      </m:sub>
-                    </m:sSub>
+                      </m:sup>
+                    </m:sSup>
                     <m:r>
                       <a:rPr lang="en-US" altLang="ko-KR" b="0" i="0" dirty="0" smtClean="0">
                         <a:solidFill>
-                          <a:schemeClr val="tx1">
-                            <a:lumMod val="75000"/>
-                            <a:lumOff val="25000"/>
-                          </a:schemeClr>
+                          <a:schemeClr val="tx1"/>
                         </a:solidFill>
                         <a:latin typeface="Cambria Math" panose="02040503050406030204" pitchFamily="18" charset="0"/>
                       </a:rPr>
@@ -6703,10 +6089,28 @@
                       </m:rPr>
                       <a:rPr lang="en-US" altLang="ko-KR" b="0" i="0" dirty="0" smtClean="0">
                         <a:solidFill>
-                          <a:schemeClr val="tx1">
-                            <a:lumMod val="75000"/>
-                            <a:lumOff val="25000"/>
-                          </a:schemeClr>
+                          <a:schemeClr val="tx1"/>
+                        </a:solidFill>
+                        <a:latin typeface="Cambria Math" panose="02040503050406030204" pitchFamily="18" charset="0"/>
+                      </a:rPr>
+                      <m:t>BS</m:t>
+                    </m:r>
+                    <m:r>
+                      <a:rPr lang="en-US" altLang="ko-KR" b="0" i="0" dirty="0" smtClean="0">
+                        <a:solidFill>
+                          <a:schemeClr val="tx1"/>
+                        </a:solidFill>
+                        <a:latin typeface="Cambria Math" panose="02040503050406030204" pitchFamily="18" charset="0"/>
+                      </a:rPr>
+                      <m:t> </m:t>
+                    </m:r>
+                    <m:r>
+                      <m:rPr>
+                        <m:sty m:val="p"/>
+                      </m:rPr>
+                      <a:rPr lang="en-US" altLang="ko-KR" b="0" i="0" dirty="0" smtClean="0">
+                        <a:solidFill>
+                          <a:schemeClr val="tx1"/>
                         </a:solidFill>
                         <a:latin typeface="Cambria Math" panose="02040503050406030204" pitchFamily="18" charset="0"/>
                       </a:rPr>
@@ -6714,49 +6118,116 @@
                     </m:r>
                   </m:oMath>
                 </a14:m>
-                <a:endParaRPr lang="en-US" altLang="ko-KR" dirty="0">
-                  <a:solidFill>
-                    <a:schemeClr val="tx1">
-                      <a:lumMod val="75000"/>
-                      <a:lumOff val="25000"/>
-                    </a:schemeClr>
-                  </a:solidFill>
-                </a:endParaRPr>
-              </a:p>
-              <a:p>
                 <a:r>
                   <a:rPr lang="en-US" altLang="ko-KR" dirty="0">
                     <a:solidFill>
-                      <a:schemeClr val="tx1">
-                        <a:lumMod val="75000"/>
-                        <a:lumOff val="25000"/>
-                      </a:schemeClr>
+                      <a:schemeClr val="tx1"/>
                     </a:solidFill>
                   </a:rPr>
-                  <a:t>Action: change BS on/off state, discrete</a:t>
+                  <a:t>, </a:t>
+                </a:r>
+                <a14:m>
+                  <m:oMath xmlns:m="http://schemas.openxmlformats.org/officeDocument/2006/math">
+                    <m:r>
+                      <a:rPr lang="en-US" altLang="ko-KR" b="0" i="1" smtClean="0">
+                        <a:solidFill>
+                          <a:schemeClr val="tx1"/>
+                        </a:solidFill>
+                        <a:latin typeface="Cambria Math" panose="02040503050406030204" pitchFamily="18" charset="0"/>
+                      </a:rPr>
+                      <m:t>𝑖</m:t>
+                    </m:r>
+                    <m:r>
+                      <a:rPr lang="en-US" altLang="ko-KR" i="1">
+                        <a:solidFill>
+                          <a:schemeClr val="tx1"/>
+                        </a:solidFill>
+                        <a:latin typeface="Cambria Math" panose="02040503050406030204" pitchFamily="18" charset="0"/>
+                      </a:rPr>
+                      <m:t>=1</m:t>
+                    </m:r>
+                    <m:r>
+                      <a:rPr lang="en-US" altLang="ko-KR" b="0" i="0" smtClean="0">
+                        <a:solidFill>
+                          <a:schemeClr val="tx1"/>
+                        </a:solidFill>
+                        <a:latin typeface="Cambria Math" panose="02040503050406030204" pitchFamily="18" charset="0"/>
+                      </a:rPr>
+                      <m:t>, 2, …,</m:t>
+                    </m:r>
+                    <m:r>
+                      <m:rPr>
+                        <m:sty m:val="p"/>
+                      </m:rPr>
+                      <a:rPr lang="en-US" altLang="ko-KR" b="0" i="0" smtClean="0">
+                        <a:solidFill>
+                          <a:schemeClr val="tx1"/>
+                        </a:solidFill>
+                        <a:latin typeface="Cambria Math" panose="02040503050406030204" pitchFamily="18" charset="0"/>
+                      </a:rPr>
+                      <m:t>n</m:t>
+                    </m:r>
+                    <m:r>
+                      <a:rPr lang="en-US" altLang="ko-KR" dirty="0">
+                        <a:solidFill>
+                          <a:schemeClr val="tx1"/>
+                        </a:solidFill>
+                        <a:latin typeface="Cambria Math" panose="02040503050406030204" pitchFamily="18" charset="0"/>
+                      </a:rPr>
+                      <m:t> </m:t>
+                    </m:r>
+                  </m:oMath>
+                </a14:m>
+                <a:r>
+                  <a:rPr lang="en-US" altLang="ko-KR" dirty="0">
+                    <a:solidFill>
+                      <a:schemeClr val="tx1"/>
+                    </a:solidFill>
+                  </a:rPr>
+                  <a:t>]</a:t>
                 </a:r>
               </a:p>
               <a:p>
                 <a:r>
                   <a:rPr lang="en-US" altLang="ko-KR" dirty="0">
                     <a:solidFill>
-                      <a:schemeClr val="tx1">
-                        <a:lumMod val="75000"/>
-                        <a:lumOff val="25000"/>
-                      </a:schemeClr>
+                      <a:srgbClr val="0000FF"/>
                     </a:solidFill>
                   </a:rPr>
-                  <a:t>Value: SNR, </a:t>
+                  <a:t>Action</a:t>
+                </a:r>
+                <a:r>
+                  <a:rPr lang="en-US" altLang="ko-KR" dirty="0">
+                    <a:solidFill>
+                      <a:schemeClr val="tx1"/>
+                    </a:solidFill>
+                  </a:rPr>
+                  <a:t>: Matrix of change BS on/off state [discrete]</a:t>
+                </a:r>
+              </a:p>
+              <a:p>
+                <a:r>
+                  <a:rPr lang="en-US" altLang="ko-KR" dirty="0">
+                    <a:solidFill>
+                      <a:srgbClr val="FF0000"/>
+                    </a:solidFill>
+                  </a:rPr>
+                  <a:t>Reward</a:t>
+                </a:r>
+                <a:r>
+                  <a:rPr lang="en-US" altLang="ko-KR" dirty="0">
+                    <a:solidFill>
+                      <a:schemeClr val="tx1"/>
+                    </a:solidFill>
+                  </a:rPr>
+                  <a:t>: SNR, </a:t>
                 </a:r>
                 <a14:m>
                   <m:oMath xmlns:m="http://schemas.openxmlformats.org/officeDocument/2006/math">
                     <m:r>
                       <a:rPr lang="en-US" altLang="ko-KR" i="1" smtClean="0">
                         <a:solidFill>
-                          <a:schemeClr val="tx1">
-                            <a:lumMod val="75000"/>
-                            <a:lumOff val="25000"/>
-                          </a:schemeClr>
+                          <a:schemeClr val="tx1"/>
                         </a:solidFill>
                         <a:latin typeface="Cambria Math" panose="02040503050406030204" pitchFamily="18" charset="0"/>
                         <a:ea typeface="Cambria Math" panose="02040503050406030204" pitchFamily="18" charset="0"/>
@@ -6768,10 +6239,7 @@
                         <m:ctrlPr>
                           <a:rPr lang="en-US" altLang="ko-KR" b="0" i="1" smtClean="0">
                             <a:solidFill>
-                              <a:schemeClr val="tx1">
-                                <a:lumMod val="75000"/>
-                                <a:lumOff val="25000"/>
-                              </a:schemeClr>
+                              <a:schemeClr val="tx1"/>
                             </a:solidFill>
                             <a:latin typeface="Cambria Math" panose="02040503050406030204" pitchFamily="18" charset="0"/>
                             <a:ea typeface="Cambria Math" panose="02040503050406030204" pitchFamily="18" charset="0"/>
@@ -6782,10 +6250,7 @@
                         <m:r>
                           <a:rPr lang="en-US" altLang="ko-KR" b="0" i="1" smtClean="0">
                             <a:solidFill>
-                              <a:schemeClr val="tx1">
-                                <a:lumMod val="75000"/>
-                                <a:lumOff val="25000"/>
-                              </a:schemeClr>
+                              <a:schemeClr val="tx1"/>
                             </a:solidFill>
                             <a:latin typeface="Cambria Math" panose="02040503050406030204" pitchFamily="18" charset="0"/>
                             <a:ea typeface="Cambria Math" panose="02040503050406030204" pitchFamily="18" charset="0"/>
@@ -6797,10 +6262,7 @@
                         <m:r>
                           <a:rPr lang="en-US" altLang="ko-KR" b="0" i="1" smtClean="0">
                             <a:solidFill>
-                              <a:schemeClr val="tx1">
-                                <a:lumMod val="75000"/>
-                                <a:lumOff val="25000"/>
-                              </a:schemeClr>
+                              <a:schemeClr val="tx1"/>
                             </a:solidFill>
                             <a:latin typeface="Cambria Math" panose="02040503050406030204" pitchFamily="18" charset="0"/>
                             <a:ea typeface="Cambria Math" panose="02040503050406030204" pitchFamily="18" charset="0"/>
@@ -6814,23 +6276,17 @@
                 <a:r>
                   <a:rPr lang="en-US" altLang="ko-KR" dirty="0">
                     <a:solidFill>
-                      <a:schemeClr val="tx1">
-                        <a:lumMod val="75000"/>
-                        <a:lumOff val="25000"/>
-                      </a:schemeClr>
+                      <a:schemeClr val="tx1"/>
                     </a:solidFill>
                   </a:rPr>
-                  <a:t>, </a:t>
+                  <a:t> [</a:t>
                 </a:r>
                 <a14:m>
                   <m:oMath xmlns:m="http://schemas.openxmlformats.org/officeDocument/2006/math">
                     <m:r>
                       <a:rPr lang="en-US" altLang="ko-KR" b="0" i="1" smtClean="0">
                         <a:solidFill>
-                          <a:schemeClr val="tx1">
-                            <a:lumMod val="75000"/>
-                            <a:lumOff val="25000"/>
-                          </a:schemeClr>
+                          <a:schemeClr val="tx1"/>
                         </a:solidFill>
                         <a:latin typeface="Cambria Math" panose="02040503050406030204" pitchFamily="18" charset="0"/>
                         <a:ea typeface="Cambria Math" panose="02040503050406030204" pitchFamily="18" charset="0"/>
@@ -6840,10 +6296,7 @@
                     <m:r>
                       <a:rPr lang="en-US" altLang="ko-KR" b="0" i="1" smtClean="0">
                         <a:solidFill>
-                          <a:schemeClr val="tx1">
-                            <a:lumMod val="75000"/>
-                            <a:lumOff val="25000"/>
-                          </a:schemeClr>
+                          <a:schemeClr val="tx1"/>
                         </a:solidFill>
                         <a:latin typeface="Cambria Math" panose="02040503050406030204" pitchFamily="18" charset="0"/>
                         <a:ea typeface="Cambria Math" panose="02040503050406030204" pitchFamily="18" charset="0"/>
@@ -6855,10 +6308,7 @@
                 <a:r>
                   <a:rPr lang="en-US" altLang="ko-KR" dirty="0">
                     <a:solidFill>
-                      <a:schemeClr val="tx1">
-                        <a:lumMod val="75000"/>
-                        <a:lumOff val="25000"/>
-                      </a:schemeClr>
+                      <a:schemeClr val="tx1"/>
                     </a:solidFill>
                   </a:rPr>
                   <a:t> (</a:t>
@@ -6866,10 +6316,7 @@
                 <a:r>
                   <a:rPr lang="en-US" altLang="ko-KR" dirty="0" err="1">
                     <a:solidFill>
-                      <a:schemeClr val="tx1">
-                        <a:lumMod val="75000"/>
-                        <a:lumOff val="25000"/>
-                      </a:schemeClr>
+                      <a:schemeClr val="tx1"/>
                     </a:solidFill>
                   </a:rPr>
                   <a:t>NLoS</a:t>
@@ -6877,25 +6324,34 @@
                 <a:r>
                   <a:rPr lang="en-US" altLang="ko-KR" dirty="0">
                     <a:solidFill>
-                      <a:schemeClr val="tx1">
-                        <a:lumMod val="75000"/>
-                        <a:lumOff val="25000"/>
-                      </a:schemeClr>
+                      <a:schemeClr val="tx1"/>
                     </a:solidFill>
                   </a:rPr>
-                  <a:t>) </a:t>
+                  <a:t>) ]</a:t>
                 </a:r>
               </a:p>
               <a:p>
+                <a:r>
+                  <a:rPr lang="en-US" altLang="ko-KR" dirty="0"/>
+                  <a:t>User-BS association rule: </a:t>
+                </a:r>
+                <a:r>
+                  <a:rPr lang="en-US" altLang="ko-KR" dirty="0">
+                    <a:solidFill>
+                      <a:srgbClr val="FF0000"/>
+                    </a:solidFill>
+                  </a:rPr>
+                  <a:t>nearest association</a:t>
+                </a:r>
+              </a:p>
+              <a:p>
+                <a:pPr algn="l"/>
                 <a14:m>
                   <m:oMath xmlns:m="http://schemas.openxmlformats.org/officeDocument/2006/math">
                     <m:r>
                       <a:rPr lang="en-US" altLang="ko-KR" i="1">
                         <a:solidFill>
-                          <a:schemeClr val="tx1">
-                            <a:lumMod val="75000"/>
-                            <a:lumOff val="25000"/>
-                          </a:schemeClr>
+                          <a:schemeClr val="tx1"/>
                         </a:solidFill>
                         <a:latin typeface="Cambria Math" panose="02040503050406030204" pitchFamily="18" charset="0"/>
                         <a:ea typeface="Cambria Math" panose="02040503050406030204" pitchFamily="18" charset="0"/>
@@ -6907,25 +6363,22 @@
                 <a:r>
                   <a:rPr lang="en-US" altLang="ko-KR" dirty="0">
                     <a:solidFill>
-                      <a:schemeClr val="tx1">
-                        <a:lumMod val="75000"/>
-                        <a:lumOff val="25000"/>
-                      </a:schemeClr>
+                      <a:schemeClr val="tx1"/>
                     </a:solidFill>
                   </a:rPr>
-                  <a:t>: norm matrix, </a:t>
+                  <a:t>: Distance between User and BS matrix </a:t>
                 </a:r>
+              </a:p>
+              <a:p>
+                <a:pPr lvl="1" algn="l"/>
                 <a14:m>
                   <m:oMath xmlns:m="http://schemas.openxmlformats.org/officeDocument/2006/math">
                     <m:sSub>
                       <m:sSubPr>
                         <m:ctrlPr>
-                          <a:rPr lang="en-US" altLang="ko-KR" b="0" i="1" smtClean="0">
+                          <a:rPr lang="en-US" altLang="ko-KR" i="1">
                             <a:solidFill>
-                              <a:schemeClr val="tx1">
-                                <a:lumMod val="75000"/>
-                                <a:lumOff val="25000"/>
-                              </a:schemeClr>
+                              <a:schemeClr val="tx1"/>
                             </a:solidFill>
                             <a:latin typeface="Cambria Math" panose="02040503050406030204" pitchFamily="18" charset="0"/>
                             <a:ea typeface="Cambria Math" panose="02040503050406030204" pitchFamily="18" charset="0"/>
@@ -6936,10 +6389,7 @@
                         <m:r>
                           <a:rPr lang="en-US" altLang="ko-KR" i="1">
                             <a:solidFill>
-                              <a:schemeClr val="tx1">
-                                <a:lumMod val="75000"/>
-                                <a:lumOff val="25000"/>
-                              </a:schemeClr>
+                              <a:schemeClr val="tx1"/>
                             </a:solidFill>
                             <a:latin typeface="Cambria Math" panose="02040503050406030204" pitchFamily="18" charset="0"/>
                             <a:ea typeface="Cambria Math" panose="02040503050406030204" pitchFamily="18" charset="0"/>
@@ -6949,12 +6399,9 @@
                       </m:e>
                       <m:sub>
                         <m:r>
-                          <a:rPr lang="en-US" altLang="ko-KR" b="0" i="1" smtClean="0">
+                          <a:rPr lang="en-US" altLang="ko-KR" i="1">
                             <a:solidFill>
-                              <a:schemeClr val="tx1">
-                                <a:lumMod val="75000"/>
-                                <a:lumOff val="25000"/>
-                              </a:schemeClr>
+                              <a:schemeClr val="tx1"/>
                             </a:solidFill>
                             <a:latin typeface="Cambria Math" panose="02040503050406030204" pitchFamily="18" charset="0"/>
                             <a:ea typeface="Cambria Math" panose="02040503050406030204" pitchFamily="18" charset="0"/>
@@ -6964,12 +6411,9 @@
                       </m:sub>
                     </m:sSub>
                     <m:r>
-                      <a:rPr lang="en-US" altLang="ko-KR" b="0" i="1" smtClean="0">
+                      <a:rPr lang="en-US" altLang="ko-KR" i="1">
                         <a:solidFill>
-                          <a:schemeClr val="tx1">
-                            <a:lumMod val="75000"/>
-                            <a:lumOff val="25000"/>
-                          </a:schemeClr>
+                          <a:schemeClr val="tx1"/>
                         </a:solidFill>
                         <a:latin typeface="Cambria Math" panose="02040503050406030204" pitchFamily="18" charset="0"/>
                         <a:ea typeface="Cambria Math" panose="02040503050406030204" pitchFamily="18" charset="0"/>
@@ -6979,12 +6423,9 @@
                     <m:sSup>
                       <m:sSupPr>
                         <m:ctrlPr>
-                          <a:rPr lang="en-US" altLang="ko-KR" b="0" i="1" smtClean="0">
+                          <a:rPr lang="en-US" altLang="ko-KR" i="1">
                             <a:solidFill>
-                              <a:schemeClr val="tx1">
-                                <a:lumMod val="75000"/>
-                                <a:lumOff val="25000"/>
-                              </a:schemeClr>
+                              <a:schemeClr val="tx1"/>
                             </a:solidFill>
                             <a:latin typeface="Cambria Math" panose="02040503050406030204" pitchFamily="18" charset="0"/>
                             <a:ea typeface="Cambria Math" panose="02040503050406030204" pitchFamily="18" charset="0"/>
@@ -6995,12 +6436,9 @@
                         <m:d>
                           <m:dPr>
                             <m:ctrlPr>
-                              <a:rPr lang="en-US" altLang="ko-KR" b="0" i="1" smtClean="0">
+                              <a:rPr lang="en-US" altLang="ko-KR" i="1">
                                 <a:solidFill>
-                                  <a:schemeClr val="tx1">
-                                    <a:lumMod val="75000"/>
-                                    <a:lumOff val="25000"/>
-                                  </a:schemeClr>
+                                  <a:schemeClr val="tx1"/>
                                 </a:solidFill>
                                 <a:latin typeface="Cambria Math" panose="02040503050406030204" pitchFamily="18" charset="0"/>
                                 <a:ea typeface="Cambria Math" panose="02040503050406030204" pitchFamily="18" charset="0"/>
@@ -7009,12 +6447,9 @@
                           </m:dPr>
                           <m:e>
                             <m:r>
-                              <a:rPr lang="en-US" altLang="ko-KR" b="0" i="1" smtClean="0">
+                              <a:rPr lang="en-US" altLang="ko-KR" i="1">
                                 <a:solidFill>
-                                  <a:schemeClr val="tx1">
-                                    <a:lumMod val="75000"/>
-                                    <a:lumOff val="25000"/>
-                                  </a:schemeClr>
+                                  <a:schemeClr val="tx1"/>
                                 </a:solidFill>
                                 <a:latin typeface="Cambria Math" panose="02040503050406030204" pitchFamily="18" charset="0"/>
                                 <a:ea typeface="Cambria Math" panose="02040503050406030204" pitchFamily="18" charset="0"/>
@@ -7024,12 +6459,9 @@
                             <m:sSub>
                               <m:sSubPr>
                                 <m:ctrlPr>
-                                  <a:rPr lang="en-US" altLang="ko-KR" b="0" i="1" smtClean="0">
+                                  <a:rPr lang="en-US" altLang="ko-KR" i="1">
                                     <a:solidFill>
-                                      <a:schemeClr val="tx1">
-                                        <a:lumMod val="75000"/>
-                                        <a:lumOff val="25000"/>
-                                      </a:schemeClr>
+                                      <a:schemeClr val="tx1"/>
                                     </a:solidFill>
                                     <a:latin typeface="Cambria Math" panose="02040503050406030204" pitchFamily="18" charset="0"/>
                                     <a:ea typeface="Cambria Math" panose="02040503050406030204" pitchFamily="18" charset="0"/>
@@ -7038,12 +6470,9 @@
                               </m:sSubPr>
                               <m:e>
                                 <m:r>
-                                  <a:rPr lang="en-US" altLang="ko-KR" b="0" i="1" smtClean="0">
+                                  <a:rPr lang="en-US" altLang="ko-KR" i="1">
                                     <a:solidFill>
-                                      <a:schemeClr val="tx1">
-                                        <a:lumMod val="75000"/>
-                                        <a:lumOff val="25000"/>
-                                      </a:schemeClr>
+                                      <a:schemeClr val="tx1"/>
                                     </a:solidFill>
                                     <a:latin typeface="Cambria Math" panose="02040503050406030204" pitchFamily="18" charset="0"/>
                                     <a:ea typeface="Cambria Math" panose="02040503050406030204" pitchFamily="18" charset="0"/>
@@ -7053,12 +6482,9 @@
                               </m:e>
                               <m:sub>
                                 <m:r>
-                                  <a:rPr lang="en-US" altLang="ko-KR" b="0" i="1" smtClean="0">
+                                  <a:rPr lang="en-US" altLang="ko-KR" i="1">
                                     <a:solidFill>
-                                      <a:schemeClr val="tx1">
-                                        <a:lumMod val="75000"/>
-                                        <a:lumOff val="25000"/>
-                                      </a:schemeClr>
+                                      <a:schemeClr val="tx1"/>
                                     </a:solidFill>
                                     <a:latin typeface="Cambria Math" panose="02040503050406030204" pitchFamily="18" charset="0"/>
                                     <a:ea typeface="Cambria Math" panose="02040503050406030204" pitchFamily="18" charset="0"/>
@@ -7068,12 +6494,9 @@
                               </m:sub>
                             </m:sSub>
                             <m:r>
-                              <a:rPr lang="en-US" altLang="ko-KR" b="0" i="1" smtClean="0">
+                              <a:rPr lang="en-US" altLang="ko-KR" i="1">
                                 <a:solidFill>
-                                  <a:schemeClr val="tx1">
-                                    <a:lumMod val="75000"/>
-                                    <a:lumOff val="25000"/>
-                                  </a:schemeClr>
+                                  <a:schemeClr val="tx1"/>
                                 </a:solidFill>
                                 <a:latin typeface="Cambria Math" panose="02040503050406030204" pitchFamily="18" charset="0"/>
                                 <a:ea typeface="Cambria Math" panose="02040503050406030204" pitchFamily="18" charset="0"/>
@@ -7081,12 +6504,9 @@
                               <m:t>−</m:t>
                             </m:r>
                             <m:r>
-                              <a:rPr lang="en-US" altLang="ko-KR" b="0" i="1" smtClean="0">
+                              <a:rPr lang="en-US" altLang="ko-KR" i="1">
                                 <a:solidFill>
-                                  <a:schemeClr val="tx1">
-                                    <a:lumMod val="75000"/>
-                                    <a:lumOff val="25000"/>
-                                  </a:schemeClr>
+                                  <a:schemeClr val="tx1"/>
                                 </a:solidFill>
                                 <a:latin typeface="Cambria Math" panose="02040503050406030204" pitchFamily="18" charset="0"/>
                                 <a:ea typeface="Cambria Math" panose="02040503050406030204" pitchFamily="18" charset="0"/>
@@ -7096,12 +6516,9 @@
                             <m:sSub>
                               <m:sSubPr>
                                 <m:ctrlPr>
-                                  <a:rPr lang="en-US" altLang="ko-KR" b="0" i="1" smtClean="0">
+                                  <a:rPr lang="en-US" altLang="ko-KR" i="1">
                                     <a:solidFill>
-                                      <a:schemeClr val="tx1">
-                                        <a:lumMod val="75000"/>
-                                        <a:lumOff val="25000"/>
-                                      </a:schemeClr>
+                                      <a:schemeClr val="tx1"/>
                                     </a:solidFill>
                                     <a:latin typeface="Cambria Math" panose="02040503050406030204" pitchFamily="18" charset="0"/>
                                     <a:ea typeface="Cambria Math" panose="02040503050406030204" pitchFamily="18" charset="0"/>
@@ -7110,12 +6527,9 @@
                               </m:sSubPr>
                               <m:e>
                                 <m:r>
-                                  <a:rPr lang="en-US" altLang="ko-KR" b="0" i="1" smtClean="0">
+                                  <a:rPr lang="en-US" altLang="ko-KR" i="1">
                                     <a:solidFill>
-                                      <a:schemeClr val="tx1">
-                                        <a:lumMod val="75000"/>
-                                        <a:lumOff val="25000"/>
-                                      </a:schemeClr>
+                                      <a:schemeClr val="tx1"/>
                                     </a:solidFill>
                                     <a:latin typeface="Cambria Math" panose="02040503050406030204" pitchFamily="18" charset="0"/>
                                     <a:ea typeface="Cambria Math" panose="02040503050406030204" pitchFamily="18" charset="0"/>
@@ -7125,12 +6539,9 @@
                               </m:e>
                               <m:sub>
                                 <m:r>
-                                  <a:rPr lang="en-US" altLang="ko-KR" b="0" i="1" smtClean="0">
+                                  <a:rPr lang="en-US" altLang="ko-KR" i="1">
                                     <a:solidFill>
-                                      <a:schemeClr val="tx1">
-                                        <a:lumMod val="75000"/>
-                                        <a:lumOff val="25000"/>
-                                      </a:schemeClr>
+                                      <a:schemeClr val="tx1"/>
                                     </a:solidFill>
                                     <a:latin typeface="Cambria Math" panose="02040503050406030204" pitchFamily="18" charset="0"/>
                                     <a:ea typeface="Cambria Math" panose="02040503050406030204" pitchFamily="18" charset="0"/>
@@ -7144,12 +6555,9 @@
                       </m:e>
                       <m:sup>
                         <m:r>
-                          <a:rPr lang="en-US" altLang="ko-KR" b="0" i="1" smtClean="0">
+                          <a:rPr lang="en-US" altLang="ko-KR" i="1">
                             <a:solidFill>
-                              <a:schemeClr val="tx1">
-                                <a:lumMod val="75000"/>
-                                <a:lumOff val="25000"/>
-                              </a:schemeClr>
+                              <a:schemeClr val="tx1"/>
                             </a:solidFill>
                             <a:latin typeface="Cambria Math" panose="02040503050406030204" pitchFamily="18" charset="0"/>
                             <a:ea typeface="Cambria Math" panose="02040503050406030204" pitchFamily="18" charset="0"/>
@@ -7159,12 +6567,9 @@
                       </m:sup>
                     </m:sSup>
                     <m:r>
-                      <a:rPr lang="en-US" altLang="ko-KR" b="0" i="1" smtClean="0">
+                      <a:rPr lang="en-US" altLang="ko-KR" i="1">
                         <a:solidFill>
-                          <a:schemeClr val="tx1">
-                            <a:lumMod val="75000"/>
-                            <a:lumOff val="25000"/>
-                          </a:schemeClr>
+                          <a:schemeClr val="tx1"/>
                         </a:solidFill>
                         <a:latin typeface="Cambria Math" panose="02040503050406030204" pitchFamily="18" charset="0"/>
                         <a:ea typeface="Cambria Math" panose="02040503050406030204" pitchFamily="18" charset="0"/>
@@ -7174,12 +6579,9 @@
                     <m:sSup>
                       <m:sSupPr>
                         <m:ctrlPr>
-                          <a:rPr lang="en-US" altLang="ko-KR" b="0" i="1" smtClean="0">
+                          <a:rPr lang="en-US" altLang="ko-KR" i="1">
                             <a:solidFill>
-                              <a:schemeClr val="tx1">
-                                <a:lumMod val="75000"/>
-                                <a:lumOff val="25000"/>
-                              </a:schemeClr>
+                              <a:schemeClr val="tx1"/>
                             </a:solidFill>
                             <a:latin typeface="Cambria Math" panose="02040503050406030204" pitchFamily="18" charset="0"/>
                             <a:ea typeface="Cambria Math" panose="02040503050406030204" pitchFamily="18" charset="0"/>
@@ -7190,12 +6592,9 @@
                         <m:d>
                           <m:dPr>
                             <m:ctrlPr>
-                              <a:rPr lang="en-US" altLang="ko-KR" b="0" i="1" smtClean="0">
+                              <a:rPr lang="en-US" altLang="ko-KR" i="1">
                                 <a:solidFill>
-                                  <a:schemeClr val="tx1">
-                                    <a:lumMod val="75000"/>
-                                    <a:lumOff val="25000"/>
-                                  </a:schemeClr>
+                                  <a:schemeClr val="tx1"/>
                                 </a:solidFill>
                                 <a:latin typeface="Cambria Math" panose="02040503050406030204" pitchFamily="18" charset="0"/>
                                 <a:ea typeface="Cambria Math" panose="02040503050406030204" pitchFamily="18" charset="0"/>
@@ -7204,12 +6603,9 @@
                           </m:dPr>
                           <m:e>
                             <m:r>
-                              <a:rPr lang="en-US" altLang="ko-KR" b="0" i="1" smtClean="0">
+                              <a:rPr lang="en-US" altLang="ko-KR" i="1">
                                 <a:solidFill>
-                                  <a:schemeClr val="tx1">
-                                    <a:lumMod val="75000"/>
-                                    <a:lumOff val="25000"/>
-                                  </a:schemeClr>
+                                  <a:schemeClr val="tx1"/>
                                 </a:solidFill>
                                 <a:latin typeface="Cambria Math" panose="02040503050406030204" pitchFamily="18" charset="0"/>
                                 <a:ea typeface="Cambria Math" panose="02040503050406030204" pitchFamily="18" charset="0"/>
@@ -7219,12 +6615,9 @@
                             <m:sSub>
                               <m:sSubPr>
                                 <m:ctrlPr>
-                                  <a:rPr lang="en-US" altLang="ko-KR" b="0" i="1" smtClean="0">
+                                  <a:rPr lang="en-US" altLang="ko-KR" i="1">
                                     <a:solidFill>
-                                      <a:schemeClr val="tx1">
-                                        <a:lumMod val="75000"/>
-                                        <a:lumOff val="25000"/>
-                                      </a:schemeClr>
+                                      <a:schemeClr val="tx1"/>
                                     </a:solidFill>
                                     <a:latin typeface="Cambria Math" panose="02040503050406030204" pitchFamily="18" charset="0"/>
                                     <a:ea typeface="Cambria Math" panose="02040503050406030204" pitchFamily="18" charset="0"/>
@@ -7233,12 +6626,9 @@
                               </m:sSubPr>
                               <m:e>
                                 <m:r>
-                                  <a:rPr lang="en-US" altLang="ko-KR" b="0" i="1" smtClean="0">
+                                  <a:rPr lang="en-US" altLang="ko-KR" i="1">
                                     <a:solidFill>
-                                      <a:schemeClr val="tx1">
-                                        <a:lumMod val="75000"/>
-                                        <a:lumOff val="25000"/>
-                                      </a:schemeClr>
+                                      <a:schemeClr val="tx1"/>
                                     </a:solidFill>
                                     <a:latin typeface="Cambria Math" panose="02040503050406030204" pitchFamily="18" charset="0"/>
                                     <a:ea typeface="Cambria Math" panose="02040503050406030204" pitchFamily="18" charset="0"/>
@@ -7248,12 +6638,9 @@
                               </m:e>
                               <m:sub>
                                 <m:r>
-                                  <a:rPr lang="en-US" altLang="ko-KR" b="0" i="1" smtClean="0">
+                                  <a:rPr lang="en-US" altLang="ko-KR" i="1">
                                     <a:solidFill>
-                                      <a:schemeClr val="tx1">
-                                        <a:lumMod val="75000"/>
-                                        <a:lumOff val="25000"/>
-                                      </a:schemeClr>
+                                      <a:schemeClr val="tx1"/>
                                     </a:solidFill>
                                     <a:latin typeface="Cambria Math" panose="02040503050406030204" pitchFamily="18" charset="0"/>
                                     <a:ea typeface="Cambria Math" panose="02040503050406030204" pitchFamily="18" charset="0"/>
@@ -7263,12 +6650,9 @@
                               </m:sub>
                             </m:sSub>
                             <m:r>
-                              <a:rPr lang="en-US" altLang="ko-KR" b="0" i="1" smtClean="0">
+                              <a:rPr lang="en-US" altLang="ko-KR" i="1">
                                 <a:solidFill>
-                                  <a:schemeClr val="tx1">
-                                    <a:lumMod val="75000"/>
-                                    <a:lumOff val="25000"/>
-                                  </a:schemeClr>
+                                  <a:schemeClr val="tx1"/>
                                 </a:solidFill>
                                 <a:latin typeface="Cambria Math" panose="02040503050406030204" pitchFamily="18" charset="0"/>
                                 <a:ea typeface="Cambria Math" panose="02040503050406030204" pitchFamily="18" charset="0"/>
@@ -7276,12 +6660,9 @@
                               <m:t>−</m:t>
                             </m:r>
                             <m:r>
-                              <a:rPr lang="en-US" altLang="ko-KR" b="0" i="1" smtClean="0">
+                              <a:rPr lang="en-US" altLang="ko-KR" i="1">
                                 <a:solidFill>
-                                  <a:schemeClr val="tx1">
-                                    <a:lumMod val="75000"/>
-                                    <a:lumOff val="25000"/>
-                                  </a:schemeClr>
+                                  <a:schemeClr val="tx1"/>
                                 </a:solidFill>
                                 <a:latin typeface="Cambria Math" panose="02040503050406030204" pitchFamily="18" charset="0"/>
                                 <a:ea typeface="Cambria Math" panose="02040503050406030204" pitchFamily="18" charset="0"/>
@@ -7291,12 +6672,9 @@
                             <m:sSub>
                               <m:sSubPr>
                                 <m:ctrlPr>
-                                  <a:rPr lang="en-US" altLang="ko-KR" b="0" i="1" smtClean="0">
+                                  <a:rPr lang="en-US" altLang="ko-KR" i="1">
                                     <a:solidFill>
-                                      <a:schemeClr val="tx1">
-                                        <a:lumMod val="75000"/>
-                                        <a:lumOff val="25000"/>
-                                      </a:schemeClr>
+                                      <a:schemeClr val="tx1"/>
                                     </a:solidFill>
                                     <a:latin typeface="Cambria Math" panose="02040503050406030204" pitchFamily="18" charset="0"/>
                                     <a:ea typeface="Cambria Math" panose="02040503050406030204" pitchFamily="18" charset="0"/>
@@ -7305,12 +6683,9 @@
                               </m:sSubPr>
                               <m:e>
                                 <m:r>
-                                  <a:rPr lang="en-US" altLang="ko-KR" b="0" i="1" smtClean="0">
+                                  <a:rPr lang="en-US" altLang="ko-KR" i="1">
                                     <a:solidFill>
-                                      <a:schemeClr val="tx1">
-                                        <a:lumMod val="75000"/>
-                                        <a:lumOff val="25000"/>
-                                      </a:schemeClr>
+                                      <a:schemeClr val="tx1"/>
                                     </a:solidFill>
                                     <a:latin typeface="Cambria Math" panose="02040503050406030204" pitchFamily="18" charset="0"/>
                                     <a:ea typeface="Cambria Math" panose="02040503050406030204" pitchFamily="18" charset="0"/>
@@ -7320,12 +6695,9 @@
                               </m:e>
                               <m:sub>
                                 <m:r>
-                                  <a:rPr lang="en-US" altLang="ko-KR" b="0" i="1" smtClean="0">
+                                  <a:rPr lang="en-US" altLang="ko-KR" i="1">
                                     <a:solidFill>
-                                      <a:schemeClr val="tx1">
-                                        <a:lumMod val="75000"/>
-                                        <a:lumOff val="25000"/>
-                                      </a:schemeClr>
+                                      <a:schemeClr val="tx1"/>
                                     </a:solidFill>
                                     <a:latin typeface="Cambria Math" panose="02040503050406030204" pitchFamily="18" charset="0"/>
                                     <a:ea typeface="Cambria Math" panose="02040503050406030204" pitchFamily="18" charset="0"/>
@@ -7335,12 +6707,9 @@
                               </m:sub>
                             </m:sSub>
                             <m:r>
-                              <a:rPr lang="en-US" altLang="ko-KR" b="0" i="1" smtClean="0">
+                              <a:rPr lang="en-US" altLang="ko-KR" i="1">
                                 <a:solidFill>
-                                  <a:schemeClr val="tx1">
-                                    <a:lumMod val="75000"/>
-                                    <a:lumOff val="25000"/>
-                                  </a:schemeClr>
+                                  <a:schemeClr val="tx1"/>
                                 </a:solidFill>
                                 <a:latin typeface="Cambria Math" panose="02040503050406030204" pitchFamily="18" charset="0"/>
                                 <a:ea typeface="Cambria Math" panose="02040503050406030204" pitchFamily="18" charset="0"/>
@@ -7352,12 +6721,9 @@
                       </m:e>
                       <m:sup>
                         <m:r>
-                          <a:rPr lang="en-US" altLang="ko-KR" b="0" i="1" smtClean="0">
+                          <a:rPr lang="en-US" altLang="ko-KR" i="1">
                             <a:solidFill>
-                              <a:schemeClr val="tx1">
-                                <a:lumMod val="75000"/>
-                                <a:lumOff val="25000"/>
-                              </a:schemeClr>
+                              <a:schemeClr val="tx1"/>
                             </a:solidFill>
                             <a:latin typeface="Cambria Math" panose="02040503050406030204" pitchFamily="18" charset="0"/>
                             <a:ea typeface="Cambria Math" panose="02040503050406030204" pitchFamily="18" charset="0"/>
@@ -7366,56 +6732,44 @@
                         </m:r>
                       </m:sup>
                     </m:sSup>
-                    <m:r>
-                      <a:rPr lang="en-US" altLang="ko-KR" b="0" i="1" smtClean="0">
-                        <a:solidFill>
-                          <a:schemeClr val="tx1">
-                            <a:lumMod val="75000"/>
-                            <a:lumOff val="25000"/>
-                          </a:schemeClr>
-                        </a:solidFill>
-                        <a:latin typeface="Cambria Math" panose="02040503050406030204" pitchFamily="18" charset="0"/>
-                        <a:ea typeface="Cambria Math" panose="02040503050406030204" pitchFamily="18" charset="0"/>
-                      </a:rPr>
-                      <m:t> </m:t>
-                    </m:r>
                   </m:oMath>
                 </a14:m>
                 <a:endParaRPr lang="en-US" altLang="ko-KR" dirty="0">
                   <a:solidFill>
-                    <a:schemeClr val="tx1">
-                      <a:lumMod val="75000"/>
-                      <a:lumOff val="25000"/>
-                    </a:schemeClr>
+                    <a:schemeClr val="tx1"/>
                   </a:solidFill>
                 </a:endParaRPr>
               </a:p>
               <a:p>
+                <a:pPr lvl="1" algn="l"/>
+                <a:r>
+                  <a:rPr lang="en-US" altLang="ko-KR" dirty="0">
+                    <a:solidFill>
+                      <a:schemeClr val="tx1"/>
+                    </a:solidFill>
+                  </a:rPr>
+                  <a:t>[BS, UE is location matrix of BS and User]</a:t>
+                </a:r>
+              </a:p>
+              <a:p>
+                <a:pPr algn="l"/>
+                <a:r>
+                  <a:rPr lang="en-US" altLang="ko-KR" dirty="0"/>
+                  <a:t>Initial policy: </a:t>
+                </a:r>
                 <a14:m>
                   <m:oMath xmlns:m="http://schemas.openxmlformats.org/officeDocument/2006/math">
                     <m:sSub>
                       <m:sSubPr>
                         <m:ctrlPr>
-                          <a:rPr lang="en-US" altLang="ko-KR" b="0" i="1" smtClean="0">
-                            <a:solidFill>
-                              <a:schemeClr val="tx1">
-                                <a:lumMod val="75000"/>
-                                <a:lumOff val="25000"/>
-                              </a:schemeClr>
-                            </a:solidFill>
+                          <a:rPr lang="en-US" altLang="ko-KR" i="1">
                             <a:latin typeface="Cambria Math" panose="02040503050406030204" pitchFamily="18" charset="0"/>
                           </a:rPr>
                         </m:ctrlPr>
                       </m:sSubPr>
                       <m:e>
                         <m:r>
-                          <a:rPr lang="en-US" altLang="ko-KR" b="0" i="1" smtClean="0">
-                            <a:solidFill>
-                              <a:schemeClr val="tx1">
-                                <a:lumMod val="75000"/>
-                                <a:lumOff val="25000"/>
-                              </a:schemeClr>
-                            </a:solidFill>
+                          <a:rPr lang="en-US" altLang="ko-KR" i="1">
                             <a:latin typeface="Cambria Math" panose="02040503050406030204" pitchFamily="18" charset="0"/>
                           </a:rPr>
                           <m:t>𝜋</m:t>
@@ -7423,13 +6777,7 @@
                       </m:e>
                       <m:sub>
                         <m:r>
-                          <a:rPr lang="en-US" altLang="ko-KR" b="0" i="1" smtClean="0">
-                            <a:solidFill>
-                              <a:schemeClr val="tx1">
-                                <a:lumMod val="75000"/>
-                                <a:lumOff val="25000"/>
-                              </a:schemeClr>
-                            </a:solidFill>
+                          <a:rPr lang="en-US" altLang="ko-KR" i="1">
                             <a:latin typeface="Cambria Math" panose="02040503050406030204" pitchFamily="18" charset="0"/>
                           </a:rPr>
                           <m:t>0</m:t>
@@ -7437,25 +6785,13 @@
                       </m:sub>
                     </m:sSub>
                     <m:r>
-                      <a:rPr lang="en-US" altLang="ko-KR" b="0" i="1" smtClean="0">
-                        <a:solidFill>
-                          <a:schemeClr val="tx1">
-                            <a:lumMod val="75000"/>
-                            <a:lumOff val="25000"/>
-                          </a:schemeClr>
-                        </a:solidFill>
+                      <a:rPr lang="en-US" altLang="ko-KR" i="1">
                         <a:latin typeface="Cambria Math" panose="02040503050406030204" pitchFamily="18" charset="0"/>
                       </a:rPr>
                       <m:t>=</m:t>
                     </m:r>
                     <m:r>
-                      <a:rPr lang="en-US" altLang="ko-KR" b="0" i="1" smtClean="0">
-                        <a:solidFill>
-                          <a:schemeClr val="tx1">
-                            <a:lumMod val="75000"/>
-                            <a:lumOff val="25000"/>
-                          </a:schemeClr>
-                        </a:solidFill>
+                      <a:rPr lang="en-US" altLang="ko-KR" i="1">
                         <a:latin typeface="Cambria Math" panose="02040503050406030204" pitchFamily="18" charset="0"/>
                       </a:rPr>
                       <m:t>𝑃</m:t>
@@ -7463,26 +6799,14 @@
                     <m:d>
                       <m:dPr>
                         <m:ctrlPr>
-                          <a:rPr lang="en-US" altLang="ko-KR" b="0" i="1" smtClean="0">
-                            <a:solidFill>
-                              <a:schemeClr val="tx1">
-                                <a:lumMod val="75000"/>
-                                <a:lumOff val="25000"/>
-                              </a:schemeClr>
-                            </a:solidFill>
+                          <a:rPr lang="en-US" altLang="ko-KR" i="1">
                             <a:latin typeface="Cambria Math" panose="02040503050406030204" pitchFamily="18" charset="0"/>
                           </a:rPr>
                         </m:ctrlPr>
                       </m:dPr>
                       <m:e>
                         <m:r>
-                          <a:rPr lang="en-US" altLang="ko-KR" b="0" i="1" smtClean="0">
-                            <a:solidFill>
-                              <a:schemeClr val="tx1">
-                                <a:lumMod val="75000"/>
-                                <a:lumOff val="25000"/>
-                              </a:schemeClr>
-                            </a:solidFill>
+                          <a:rPr lang="en-US" altLang="ko-KR" i="1">
                             <a:latin typeface="Cambria Math" panose="02040503050406030204" pitchFamily="18" charset="0"/>
                           </a:rPr>
                           <m:t>𝑎</m:t>
@@ -7490,13 +6814,7 @@
                       </m:e>
                       <m:e>
                         <m:r>
-                          <a:rPr lang="en-US" altLang="ko-KR" b="0" i="1" smtClean="0">
-                            <a:solidFill>
-                              <a:schemeClr val="tx1">
-                                <a:lumMod val="75000"/>
-                                <a:lumOff val="25000"/>
-                              </a:schemeClr>
-                            </a:solidFill>
+                          <a:rPr lang="en-US" altLang="ko-KR" i="1">
                             <a:latin typeface="Cambria Math" panose="02040503050406030204" pitchFamily="18" charset="0"/>
                           </a:rPr>
                           <m:t>𝑠</m:t>
@@ -7504,36 +6822,26 @@
                       </m:e>
                     </m:d>
                     <m:r>
-                      <a:rPr lang="en-US" altLang="ko-KR" b="0" i="1" smtClean="0">
-                        <a:solidFill>
-                          <a:schemeClr val="tx1">
-                            <a:lumMod val="75000"/>
-                            <a:lumOff val="25000"/>
-                          </a:schemeClr>
-                        </a:solidFill>
+                      <a:rPr lang="en-US" altLang="ko-KR" i="1">
                         <a:latin typeface="Cambria Math" panose="02040503050406030204" pitchFamily="18" charset="0"/>
                       </a:rPr>
                       <m:t>=0.5</m:t>
                     </m:r>
                   </m:oMath>
                 </a14:m>
-                <a:endParaRPr lang="en-US" altLang="ko-KR" dirty="0">
+                <a:endParaRPr lang="en-US" altLang="ko-KR" b="0" dirty="0">
                   <a:solidFill>
-                    <a:schemeClr val="tx1">
-                      <a:lumMod val="75000"/>
-                      <a:lumOff val="25000"/>
-                    </a:schemeClr>
+                    <a:schemeClr val="tx1"/>
                   </a:solidFill>
+                  <a:ea typeface="Cambria Math" panose="02040503050406030204" pitchFamily="18" charset="0"/>
                 </a:endParaRPr>
               </a:p>
               <a:p>
+                <a:pPr algn="l"/>
                 <a:r>
                   <a:rPr lang="en-US" altLang="ko-KR" dirty="0">
                     <a:solidFill>
-                      <a:schemeClr val="tx1">
-                        <a:lumMod val="75000"/>
-                        <a:lumOff val="25000"/>
-                      </a:schemeClr>
+                      <a:schemeClr val="tx1"/>
                     </a:solidFill>
                   </a:rPr>
                   <a:t>Node: initialize with </a:t>
@@ -7545,10 +6853,7 @@
                         <m:ctrlPr>
                           <a:rPr lang="en-US" altLang="ko-KR" i="1" dirty="0">
                             <a:solidFill>
-                              <a:schemeClr val="tx1">
-                                <a:lumMod val="75000"/>
-                                <a:lumOff val="25000"/>
-                              </a:schemeClr>
+                              <a:schemeClr val="tx1"/>
                             </a:solidFill>
                             <a:latin typeface="Cambria Math" panose="02040503050406030204" pitchFamily="18" charset="0"/>
                           </a:rPr>
@@ -7561,10 +6866,7 @@
                           </m:rPr>
                           <a:rPr lang="en-US" altLang="ko-KR" dirty="0">
                             <a:solidFill>
-                              <a:schemeClr val="tx1">
-                                <a:lumMod val="75000"/>
-                                <a:lumOff val="25000"/>
-                              </a:schemeClr>
+                              <a:schemeClr val="tx1"/>
                             </a:solidFill>
                             <a:latin typeface="Cambria Math" panose="02040503050406030204" pitchFamily="18" charset="0"/>
                           </a:rPr>
@@ -7575,10 +6877,7 @@
                         <m:r>
                           <a:rPr lang="en-US" altLang="ko-KR" i="1" dirty="0">
                             <a:solidFill>
-                              <a:schemeClr val="tx1">
-                                <a:lumMod val="75000"/>
-                                <a:lumOff val="25000"/>
-                              </a:schemeClr>
+                              <a:schemeClr val="tx1"/>
                             </a:solidFill>
                             <a:latin typeface="Cambria Math" panose="02040503050406030204" pitchFamily="18" charset="0"/>
                           </a:rPr>
@@ -7589,10 +6888,7 @@
                     <m:r>
                       <a:rPr lang="en-US" altLang="ko-KR" b="0" i="0" dirty="0" smtClean="0">
                         <a:solidFill>
-                          <a:schemeClr val="tx1">
-                            <a:lumMod val="75000"/>
-                            <a:lumOff val="25000"/>
-                          </a:schemeClr>
+                          <a:schemeClr val="tx1"/>
                         </a:solidFill>
                         <a:latin typeface="Cambria Math" panose="02040503050406030204" pitchFamily="18" charset="0"/>
                       </a:rPr>
@@ -7603,10 +6899,7 @@
                 <a:r>
                   <a:rPr lang="en-US" altLang="ko-KR" dirty="0">
                     <a:solidFill>
-                      <a:schemeClr val="tx1">
-                        <a:lumMod val="75000"/>
-                        <a:lumOff val="25000"/>
-                      </a:schemeClr>
+                      <a:schemeClr val="tx1"/>
                     </a:solidFill>
                   </a:rPr>
                   <a:t> for every </a:t>
@@ -7616,10 +6909,7 @@
                     <m:r>
                       <a:rPr lang="en-US" altLang="ko-KR" i="1" dirty="0" smtClean="0">
                         <a:solidFill>
-                          <a:schemeClr val="tx1">
-                            <a:lumMod val="75000"/>
-                            <a:lumOff val="25000"/>
-                          </a:schemeClr>
+                          <a:schemeClr val="tx1"/>
                         </a:solidFill>
                         <a:latin typeface="Cambria Math" panose="02040503050406030204" pitchFamily="18" charset="0"/>
                       </a:rPr>
@@ -7628,10 +6918,7 @@
                     <m:r>
                       <a:rPr lang="en-US" altLang="ko-KR" dirty="0">
                         <a:solidFill>
-                          <a:schemeClr val="tx1">
-                            <a:lumMod val="75000"/>
-                            <a:lumOff val="25000"/>
-                          </a:schemeClr>
+                          <a:schemeClr val="tx1"/>
                         </a:solidFill>
                         <a:latin typeface="Cambria Math" panose="02040503050406030204" pitchFamily="18" charset="0"/>
                       </a:rPr>
@@ -7641,41 +6928,34 @@
                 </a14:m>
                 <a:endParaRPr lang="en-US" altLang="ko-KR" dirty="0">
                   <a:solidFill>
-                    <a:schemeClr val="tx1">
-                      <a:lumMod val="75000"/>
-                      <a:lumOff val="25000"/>
-                    </a:schemeClr>
+                    <a:schemeClr val="tx1"/>
                   </a:solidFill>
                 </a:endParaRPr>
               </a:p>
               <a:p>
                 <a:r>
-                  <a:rPr lang="en-US" altLang="ko-KR" dirty="0" err="1">
+                  <a:rPr lang="en-US" altLang="ko-KR" dirty="0">
                     <a:solidFill>
-                      <a:schemeClr val="tx1">
-                        <a:lumMod val="75000"/>
-                        <a:lumOff val="25000"/>
-                      </a:schemeClr>
+                      <a:schemeClr val="tx1"/>
                     </a:solidFill>
                   </a:rPr>
-                  <a:t>Optimise</a:t>
+                  <a:t>Constraint: one action, one BS condition change</a:t>
                 </a:r>
+              </a:p>
+              <a:p>
                 <a:r>
                   <a:rPr lang="en-US" altLang="ko-KR" dirty="0">
                     <a:solidFill>
-                      <a:schemeClr val="tx1">
-                        <a:lumMod val="75000"/>
-                        <a:lumOff val="25000"/>
-                      </a:schemeClr>
+                      <a:schemeClr val="tx1"/>
                     </a:solidFill>
                   </a:rPr>
-                  <a:t> policy – update by backpropagation</a:t>
+                  <a:t>Optimize policy – update by backpropagation</a:t>
                 </a:r>
               </a:p>
             </p:txBody>
           </p:sp>
         </mc:Choice>
-        <mc:Fallback xmlns="">
+        <mc:Fallback>
           <p:sp>
             <p:nvSpPr>
               <p:cNvPr id="3" name="내용 개체 틀 2">
@@ -7700,7 +6980,7 @@
               <a:blipFill>
                 <a:blip r:embed="rId3"/>
                 <a:stretch>
-                  <a:fillRect t="-786"/>
+                  <a:fillRect t="-673"/>
                 </a:stretch>
               </a:blipFill>
             </p:spPr>
@@ -7987,80 +7267,151 @@
               <a:lstStyle/>
               <a:p>
                 <a:r>
-                  <a:rPr lang="en-US" altLang="ko-KR" dirty="0"/>
+                  <a:rPr lang="en-US" altLang="ko-KR" dirty="0">
+                    <a:solidFill>
+                      <a:schemeClr val="tx1"/>
+                    </a:solidFill>
+                  </a:rPr>
                   <a:t>Program RL code by </a:t>
                 </a:r>
                 <a:r>
-                  <a:rPr lang="en-US" altLang="ko-KR" dirty="0" err="1"/>
+                  <a:rPr lang="en-US" altLang="ko-KR" dirty="0" err="1">
+                    <a:solidFill>
+                      <a:schemeClr val="tx1"/>
+                    </a:solidFill>
+                  </a:rPr>
                   <a:t>Tensorflow</a:t>
                 </a:r>
                 <a:r>
-                  <a:rPr lang="en-US" altLang="ko-KR" dirty="0"/>
+                  <a:rPr lang="en-US" altLang="ko-KR" dirty="0">
+                    <a:solidFill>
+                      <a:schemeClr val="tx1"/>
+                    </a:solidFill>
+                  </a:rPr>
                   <a:t> Library</a:t>
                 </a:r>
               </a:p>
               <a:p>
                 <a:r>
-                  <a:rPr lang="en-US" altLang="ko-KR" dirty="0"/>
+                  <a:rPr lang="en-US" altLang="ko-KR" dirty="0">
+                    <a:solidFill>
+                      <a:schemeClr val="tx1"/>
+                    </a:solidFill>
+                  </a:rPr>
                   <a:t>Apply UDN at our</a:t>
                 </a:r>
                 <a:r>
-                  <a:rPr lang="ko-KR" altLang="en-US" dirty="0"/>
+                  <a:rPr lang="ko-KR" altLang="en-US" dirty="0">
+                    <a:solidFill>
+                      <a:schemeClr val="tx1"/>
+                    </a:solidFill>
+                  </a:rPr>
                   <a:t> </a:t>
                 </a:r>
                 <a:r>
-                  <a:rPr lang="en-US" altLang="ko-KR" dirty="0"/>
+                  <a:rPr lang="en-US" altLang="ko-KR" dirty="0">
+                    <a:solidFill>
+                      <a:schemeClr val="tx1"/>
+                    </a:solidFill>
+                  </a:rPr>
                   <a:t>Environment</a:t>
                 </a:r>
               </a:p>
               <a:p>
                 <a:pPr lvl="1"/>
                 <a:r>
-                  <a:rPr lang="en-US" altLang="ko-KR" dirty="0"/>
+                  <a:rPr lang="en-US" altLang="ko-KR" dirty="0">
+                    <a:solidFill>
+                      <a:schemeClr val="tx1"/>
+                    </a:solidFill>
+                  </a:rPr>
                   <a:t>Consider </a:t>
                 </a:r>
                 <a:r>
-                  <a:rPr lang="en-US" altLang="ko-KR" dirty="0" err="1"/>
+                  <a:rPr lang="en-US" altLang="ko-KR" dirty="0" err="1">
+                    <a:solidFill>
+                      <a:schemeClr val="tx1"/>
+                    </a:solidFill>
+                  </a:rPr>
                   <a:t>LoS</a:t>
                 </a:r>
                 <a:r>
-                  <a:rPr lang="en-US" altLang="ko-KR" dirty="0"/>
+                  <a:rPr lang="en-US" altLang="ko-KR" dirty="0">
+                    <a:solidFill>
+                      <a:schemeClr val="tx1"/>
+                    </a:solidFill>
+                  </a:rPr>
                   <a:t>, </a:t>
                 </a:r>
                 <a:r>
-                  <a:rPr lang="en-US" altLang="ko-KR" dirty="0" err="1"/>
+                  <a:rPr lang="en-US" altLang="ko-KR" dirty="0" err="1">
+                    <a:solidFill>
+                      <a:schemeClr val="tx1"/>
+                    </a:solidFill>
+                  </a:rPr>
                   <a:t>NLoS</a:t>
                 </a:r>
                 <a:r>
-                  <a:rPr lang="en-US" altLang="ko-KR" dirty="0"/>
+                  <a:rPr lang="en-US" altLang="ko-KR" dirty="0">
+                    <a:solidFill>
+                      <a:schemeClr val="tx1"/>
+                    </a:solidFill>
+                  </a:rPr>
                   <a:t>, Interference</a:t>
                 </a:r>
               </a:p>
               <a:p>
                 <a:pPr lvl="1"/>
                 <a:r>
-                  <a:rPr lang="en-US" altLang="ko-KR" dirty="0"/>
+                  <a:rPr lang="en-US" altLang="ko-KR" dirty="0">
+                    <a:solidFill>
+                      <a:schemeClr val="tx1"/>
+                    </a:solidFill>
+                  </a:rPr>
                   <a:t>Set BS density for UDN</a:t>
                 </a:r>
               </a:p>
               <a:p>
                 <a:pPr lvl="1"/>
                 <a:r>
-                  <a:rPr lang="en-US" altLang="ko-KR" dirty="0"/>
+                  <a:rPr lang="en-US" altLang="ko-KR" dirty="0">
+                    <a:solidFill>
+                      <a:schemeClr val="tx1"/>
+                    </a:solidFill>
+                  </a:rPr>
+                  <a:t>Consider all BS state change concurrently </a:t>
+                </a:r>
+              </a:p>
+              <a:p>
+                <a:pPr lvl="1"/>
+                <a:r>
+                  <a:rPr lang="en-US" altLang="ko-KR" dirty="0">
+                    <a:solidFill>
+                      <a:schemeClr val="tx1"/>
+                    </a:solidFill>
+                  </a:rPr>
                   <a:t>Update reward</a:t>
                 </a:r>
               </a:p>
               <a:p>
                 <a:pPr lvl="2"/>
                 <a:r>
-                  <a:rPr lang="en-US" altLang="ko-KR" dirty="0"/>
+                  <a:rPr lang="en-US" altLang="ko-KR" dirty="0">
+                    <a:solidFill>
+                      <a:schemeClr val="tx1"/>
+                    </a:solidFill>
+                  </a:rPr>
                   <a:t>consider Energy Consumption</a:t>
                 </a:r>
               </a:p>
               <a:p>
                 <a:pPr lvl="2"/>
                 <a:r>
-                  <a:rPr lang="en-US" altLang="ko-KR" dirty="0"/>
+                  <a:rPr lang="en-US" altLang="ko-KR" dirty="0">
+                    <a:solidFill>
+                      <a:schemeClr val="tx1"/>
+                    </a:solidFill>
+                  </a:rPr>
                   <a:t>SNR </a:t>
                 </a:r>
               </a:p>
@@ -8069,23 +7420,17 @@
                 <a:r>
                   <a:rPr lang="en-US" altLang="ko-KR" dirty="0">
                     <a:solidFill>
-                      <a:schemeClr val="tx1">
-                        <a:lumMod val="75000"/>
-                        <a:lumOff val="25000"/>
-                      </a:schemeClr>
+                      <a:schemeClr val="tx1"/>
                     </a:solidFill>
                   </a:rPr>
-                  <a:t>Terminal condition - reach at Terminal Node or SNR&lt;threshold </a:t>
+                  <a:t>Terminal condition - reach at Terminal Node or SNR &lt; threshold </a:t>
                 </a:r>
                 <a14:m>
                   <m:oMath xmlns:m="http://schemas.openxmlformats.org/officeDocument/2006/math">
                     <m:r>
                       <a:rPr lang="en-US" altLang="ko-KR" b="0" i="1" smtClean="0">
                         <a:solidFill>
-                          <a:schemeClr val="tx1">
-                            <a:lumMod val="75000"/>
-                            <a:lumOff val="25000"/>
-                          </a:schemeClr>
+                          <a:schemeClr val="tx1"/>
                         </a:solidFill>
                         <a:latin typeface="Cambria Math" panose="02040503050406030204" pitchFamily="18" charset="0"/>
                       </a:rPr>
@@ -8093,16 +7438,28 @@
                     </m:r>
                   </m:oMath>
                 </a14:m>
-                <a:endParaRPr lang="en-US" altLang="ko-KR" dirty="0"/>
+                <a:endParaRPr lang="en-US" altLang="ko-KR" dirty="0">
+                  <a:solidFill>
+                    <a:schemeClr val="tx1"/>
+                  </a:solidFill>
+                </a:endParaRPr>
               </a:p>
               <a:p>
                 <a:r>
-                  <a:rPr lang="en-US" altLang="ko-KR" dirty="0"/>
+                  <a:rPr lang="en-US" altLang="ko-KR" dirty="0">
+                    <a:solidFill>
+                      <a:schemeClr val="tx1"/>
+                    </a:solidFill>
+                  </a:rPr>
                   <a:t>Update RL code for programmed env code</a:t>
                 </a:r>
               </a:p>
               <a:p>
-                <a:endParaRPr lang="en-US" altLang="ko-KR" dirty="0"/>
+                <a:endParaRPr lang="en-US" altLang="ko-KR" dirty="0">
+                  <a:solidFill>
+                    <a:schemeClr val="tx1"/>
+                  </a:solidFill>
+                </a:endParaRPr>
               </a:p>
             </p:txBody>
           </p:sp>
